--- a/Business use case for Mall app.pptx
+++ b/Business use case for Mall app.pptx
@@ -4,6 +4,9 @@
   <p:sldMasterIdLst>
     <p:sldMasterId id="2147483648" r:id="rId1"/>
   </p:sldMasterIdLst>
+  <p:notesMasterIdLst>
+    <p:notesMasterId r:id="rId14"/>
+  </p:notesMasterIdLst>
   <p:sldIdLst>
     <p:sldId id="256" r:id="rId2"/>
     <p:sldId id="260" r:id="rId3"/>
@@ -13,8 +16,10 @@
     <p:sldId id="257" r:id="rId7"/>
     <p:sldId id="258" r:id="rId8"/>
     <p:sldId id="259" r:id="rId9"/>
-    <p:sldId id="264" r:id="rId10"/>
-    <p:sldId id="265" r:id="rId11"/>
+    <p:sldId id="266" r:id="rId10"/>
+    <p:sldId id="264" r:id="rId11"/>
+    <p:sldId id="265" r:id="rId12"/>
+    <p:sldId id="267" r:id="rId13"/>
   </p:sldIdLst>
   <p:sldSz cx="12192000" cy="6858000"/>
   <p:notesSz cx="6858000" cy="9144000"/>
@@ -121,6 +126,614 @@
 </p:presentation>
 </file>
 
+<file path=ppt/notesMasters/notesMaster1.xml><?xml version="1.0" encoding="utf-8"?>
+<p:notesMaster xmlns:a="http://schemas.openxmlformats.org/drawingml/2006/main" xmlns:r="http://schemas.openxmlformats.org/officeDocument/2006/relationships" xmlns:p="http://schemas.openxmlformats.org/presentationml/2006/main">
+  <p:cSld>
+    <p:bg>
+      <p:bgRef idx="1001">
+        <a:schemeClr val="bg1"/>
+      </p:bgRef>
+    </p:bg>
+    <p:spTree>
+      <p:nvGrpSpPr>
+        <p:cNvPr id="1" name=""/>
+        <p:cNvGrpSpPr/>
+        <p:nvPr/>
+      </p:nvGrpSpPr>
+      <p:grpSpPr>
+        <a:xfrm>
+          <a:off x="0" y="0"/>
+          <a:ext cx="0" cy="0"/>
+          <a:chOff x="0" y="0"/>
+          <a:chExt cx="0" cy="0"/>
+        </a:xfrm>
+      </p:grpSpPr>
+      <p:sp>
+        <p:nvSpPr>
+          <p:cNvPr id="2" name="Header Placeholder 1"/>
+          <p:cNvSpPr>
+            <a:spLocks noGrp="1"/>
+          </p:cNvSpPr>
+          <p:nvPr>
+            <p:ph type="hdr" sz="quarter"/>
+          </p:nvPr>
+        </p:nvSpPr>
+        <p:spPr>
+          <a:xfrm>
+            <a:off x="0" y="0"/>
+            <a:ext cx="2971800" cy="458788"/>
+          </a:xfrm>
+          <a:prstGeom prst="rect">
+            <a:avLst/>
+          </a:prstGeom>
+        </p:spPr>
+        <p:txBody>
+          <a:bodyPr vert="horz" lIns="91440" tIns="45720" rIns="91440" bIns="45720" rtlCol="0"/>
+          <a:lstStyle>
+            <a:lvl1pPr algn="l">
+              <a:defRPr sz="1200"/>
+            </a:lvl1pPr>
+          </a:lstStyle>
+          <a:p>
+            <a:endParaRPr lang="en-MY"/>
+          </a:p>
+        </p:txBody>
+      </p:sp>
+      <p:sp>
+        <p:nvSpPr>
+          <p:cNvPr id="3" name="Date Placeholder 2"/>
+          <p:cNvSpPr>
+            <a:spLocks noGrp="1"/>
+          </p:cNvSpPr>
+          <p:nvPr>
+            <p:ph type="dt" idx="1"/>
+          </p:nvPr>
+        </p:nvSpPr>
+        <p:spPr>
+          <a:xfrm>
+            <a:off x="3884613" y="0"/>
+            <a:ext cx="2971800" cy="458788"/>
+          </a:xfrm>
+          <a:prstGeom prst="rect">
+            <a:avLst/>
+          </a:prstGeom>
+        </p:spPr>
+        <p:txBody>
+          <a:bodyPr vert="horz" lIns="91440" tIns="45720" rIns="91440" bIns="45720" rtlCol="0"/>
+          <a:lstStyle>
+            <a:lvl1pPr algn="r">
+              <a:defRPr sz="1200"/>
+            </a:lvl1pPr>
+          </a:lstStyle>
+          <a:p>
+            <a:fld id="{FEF2348C-DFC8-4480-8369-EE785F257512}" type="datetimeFigureOut">
+              <a:rPr lang="en-MY" smtClean="0"/>
+              <a:t>19/8/2018</a:t>
+            </a:fld>
+            <a:endParaRPr lang="en-MY"/>
+          </a:p>
+        </p:txBody>
+      </p:sp>
+      <p:sp>
+        <p:nvSpPr>
+          <p:cNvPr id="4" name="Slide Image Placeholder 3"/>
+          <p:cNvSpPr>
+            <a:spLocks noGrp="1" noRot="1" noChangeAspect="1"/>
+          </p:cNvSpPr>
+          <p:nvPr>
+            <p:ph type="sldImg" idx="2"/>
+          </p:nvPr>
+        </p:nvSpPr>
+        <p:spPr>
+          <a:xfrm>
+            <a:off x="685800" y="1143000"/>
+            <a:ext cx="5486400" cy="3086100"/>
+          </a:xfrm>
+          <a:prstGeom prst="rect">
+            <a:avLst/>
+          </a:prstGeom>
+          <a:noFill/>
+          <a:ln w="12700">
+            <a:solidFill>
+              <a:prstClr val="black"/>
+            </a:solidFill>
+          </a:ln>
+        </p:spPr>
+        <p:txBody>
+          <a:bodyPr vert="horz" lIns="91440" tIns="45720" rIns="91440" bIns="45720" rtlCol="0" anchor="ctr"/>
+          <a:lstStyle/>
+          <a:p>
+            <a:endParaRPr lang="en-MY"/>
+          </a:p>
+        </p:txBody>
+      </p:sp>
+      <p:sp>
+        <p:nvSpPr>
+          <p:cNvPr id="5" name="Notes Placeholder 4"/>
+          <p:cNvSpPr>
+            <a:spLocks noGrp="1"/>
+          </p:cNvSpPr>
+          <p:nvPr>
+            <p:ph type="body" sz="quarter" idx="3"/>
+          </p:nvPr>
+        </p:nvSpPr>
+        <p:spPr>
+          <a:xfrm>
+            <a:off x="685800" y="4400550"/>
+            <a:ext cx="5486400" cy="3600450"/>
+          </a:xfrm>
+          <a:prstGeom prst="rect">
+            <a:avLst/>
+          </a:prstGeom>
+        </p:spPr>
+        <p:txBody>
+          <a:bodyPr vert="horz" lIns="91440" tIns="45720" rIns="91440" bIns="45720" rtlCol="0"/>
+          <a:lstStyle/>
+          <a:p>
+            <a:pPr lvl="0"/>
+            <a:r>
+              <a:rPr lang="en-US"/>
+              <a:t>Edit Master text styles</a:t>
+            </a:r>
+          </a:p>
+          <a:p>
+            <a:pPr lvl="1"/>
+            <a:r>
+              <a:rPr lang="en-US"/>
+              <a:t>Second level</a:t>
+            </a:r>
+          </a:p>
+          <a:p>
+            <a:pPr lvl="2"/>
+            <a:r>
+              <a:rPr lang="en-US"/>
+              <a:t>Third level</a:t>
+            </a:r>
+          </a:p>
+          <a:p>
+            <a:pPr lvl="3"/>
+            <a:r>
+              <a:rPr lang="en-US"/>
+              <a:t>Fourth level</a:t>
+            </a:r>
+          </a:p>
+          <a:p>
+            <a:pPr lvl="4"/>
+            <a:r>
+              <a:rPr lang="en-US"/>
+              <a:t>Fifth level</a:t>
+            </a:r>
+            <a:endParaRPr lang="en-MY"/>
+          </a:p>
+        </p:txBody>
+      </p:sp>
+      <p:sp>
+        <p:nvSpPr>
+          <p:cNvPr id="6" name="Footer Placeholder 5"/>
+          <p:cNvSpPr>
+            <a:spLocks noGrp="1"/>
+          </p:cNvSpPr>
+          <p:nvPr>
+            <p:ph type="ftr" sz="quarter" idx="4"/>
+          </p:nvPr>
+        </p:nvSpPr>
+        <p:spPr>
+          <a:xfrm>
+            <a:off x="0" y="8685213"/>
+            <a:ext cx="2971800" cy="458787"/>
+          </a:xfrm>
+          <a:prstGeom prst="rect">
+            <a:avLst/>
+          </a:prstGeom>
+        </p:spPr>
+        <p:txBody>
+          <a:bodyPr vert="horz" lIns="91440" tIns="45720" rIns="91440" bIns="45720" rtlCol="0" anchor="b"/>
+          <a:lstStyle>
+            <a:lvl1pPr algn="l">
+              <a:defRPr sz="1200"/>
+            </a:lvl1pPr>
+          </a:lstStyle>
+          <a:p>
+            <a:endParaRPr lang="en-MY"/>
+          </a:p>
+        </p:txBody>
+      </p:sp>
+      <p:sp>
+        <p:nvSpPr>
+          <p:cNvPr id="7" name="Slide Number Placeholder 6"/>
+          <p:cNvSpPr>
+            <a:spLocks noGrp="1"/>
+          </p:cNvSpPr>
+          <p:nvPr>
+            <p:ph type="sldNum" sz="quarter" idx="5"/>
+          </p:nvPr>
+        </p:nvSpPr>
+        <p:spPr>
+          <a:xfrm>
+            <a:off x="3884613" y="8685213"/>
+            <a:ext cx="2971800" cy="458787"/>
+          </a:xfrm>
+          <a:prstGeom prst="rect">
+            <a:avLst/>
+          </a:prstGeom>
+        </p:spPr>
+        <p:txBody>
+          <a:bodyPr vert="horz" lIns="91440" tIns="45720" rIns="91440" bIns="45720" rtlCol="0" anchor="b"/>
+          <a:lstStyle>
+            <a:lvl1pPr algn="r">
+              <a:defRPr sz="1200"/>
+            </a:lvl1pPr>
+          </a:lstStyle>
+          <a:p>
+            <a:fld id="{DFB9A418-7326-4BE6-954C-A9F1F8BBEE5B}" type="slidenum">
+              <a:rPr lang="en-MY" smtClean="0"/>
+              <a:t>‹#›</a:t>
+            </a:fld>
+            <a:endParaRPr lang="en-MY"/>
+          </a:p>
+        </p:txBody>
+      </p:sp>
+    </p:spTree>
+    <p:extLst>
+      <p:ext uri="{BB962C8B-B14F-4D97-AF65-F5344CB8AC3E}">
+        <p14:creationId xmlns:p14="http://schemas.microsoft.com/office/powerpoint/2010/main" val="1160888314"/>
+      </p:ext>
+    </p:extLst>
+  </p:cSld>
+  <p:clrMap bg1="lt1" tx1="dk1" bg2="lt2" tx2="dk2" accent1="accent1" accent2="accent2" accent3="accent3" accent4="accent4" accent5="accent5" accent6="accent6" hlink="hlink" folHlink="folHlink"/>
+  <p:notesStyle>
+    <a:lvl1pPr marL="0" algn="l" defTabSz="914400" rtl="0" eaLnBrk="1" latinLnBrk="0" hangingPunct="1">
+      <a:defRPr sz="1200" kern="1200">
+        <a:solidFill>
+          <a:schemeClr val="tx1"/>
+        </a:solidFill>
+        <a:latin typeface="+mn-lt"/>
+        <a:ea typeface="+mn-ea"/>
+        <a:cs typeface="+mn-cs"/>
+      </a:defRPr>
+    </a:lvl1pPr>
+    <a:lvl2pPr marL="457200" algn="l" defTabSz="914400" rtl="0" eaLnBrk="1" latinLnBrk="0" hangingPunct="1">
+      <a:defRPr sz="1200" kern="1200">
+        <a:solidFill>
+          <a:schemeClr val="tx1"/>
+        </a:solidFill>
+        <a:latin typeface="+mn-lt"/>
+        <a:ea typeface="+mn-ea"/>
+        <a:cs typeface="+mn-cs"/>
+      </a:defRPr>
+    </a:lvl2pPr>
+    <a:lvl3pPr marL="914400" algn="l" defTabSz="914400" rtl="0" eaLnBrk="1" latinLnBrk="0" hangingPunct="1">
+      <a:defRPr sz="1200" kern="1200">
+        <a:solidFill>
+          <a:schemeClr val="tx1"/>
+        </a:solidFill>
+        <a:latin typeface="+mn-lt"/>
+        <a:ea typeface="+mn-ea"/>
+        <a:cs typeface="+mn-cs"/>
+      </a:defRPr>
+    </a:lvl3pPr>
+    <a:lvl4pPr marL="1371600" algn="l" defTabSz="914400" rtl="0" eaLnBrk="1" latinLnBrk="0" hangingPunct="1">
+      <a:defRPr sz="1200" kern="1200">
+        <a:solidFill>
+          <a:schemeClr val="tx1"/>
+        </a:solidFill>
+        <a:latin typeface="+mn-lt"/>
+        <a:ea typeface="+mn-ea"/>
+        <a:cs typeface="+mn-cs"/>
+      </a:defRPr>
+    </a:lvl4pPr>
+    <a:lvl5pPr marL="1828800" algn="l" defTabSz="914400" rtl="0" eaLnBrk="1" latinLnBrk="0" hangingPunct="1">
+      <a:defRPr sz="1200" kern="1200">
+        <a:solidFill>
+          <a:schemeClr val="tx1"/>
+        </a:solidFill>
+        <a:latin typeface="+mn-lt"/>
+        <a:ea typeface="+mn-ea"/>
+        <a:cs typeface="+mn-cs"/>
+      </a:defRPr>
+    </a:lvl5pPr>
+    <a:lvl6pPr marL="2286000" algn="l" defTabSz="914400" rtl="0" eaLnBrk="1" latinLnBrk="0" hangingPunct="1">
+      <a:defRPr sz="1200" kern="1200">
+        <a:solidFill>
+          <a:schemeClr val="tx1"/>
+        </a:solidFill>
+        <a:latin typeface="+mn-lt"/>
+        <a:ea typeface="+mn-ea"/>
+        <a:cs typeface="+mn-cs"/>
+      </a:defRPr>
+    </a:lvl6pPr>
+    <a:lvl7pPr marL="2743200" algn="l" defTabSz="914400" rtl="0" eaLnBrk="1" latinLnBrk="0" hangingPunct="1">
+      <a:defRPr sz="1200" kern="1200">
+        <a:solidFill>
+          <a:schemeClr val="tx1"/>
+        </a:solidFill>
+        <a:latin typeface="+mn-lt"/>
+        <a:ea typeface="+mn-ea"/>
+        <a:cs typeface="+mn-cs"/>
+      </a:defRPr>
+    </a:lvl7pPr>
+    <a:lvl8pPr marL="3200400" algn="l" defTabSz="914400" rtl="0" eaLnBrk="1" latinLnBrk="0" hangingPunct="1">
+      <a:defRPr sz="1200" kern="1200">
+        <a:solidFill>
+          <a:schemeClr val="tx1"/>
+        </a:solidFill>
+        <a:latin typeface="+mn-lt"/>
+        <a:ea typeface="+mn-ea"/>
+        <a:cs typeface="+mn-cs"/>
+      </a:defRPr>
+    </a:lvl8pPr>
+    <a:lvl9pPr marL="3657600" algn="l" defTabSz="914400" rtl="0" eaLnBrk="1" latinLnBrk="0" hangingPunct="1">
+      <a:defRPr sz="1200" kern="1200">
+        <a:solidFill>
+          <a:schemeClr val="tx1"/>
+        </a:solidFill>
+        <a:latin typeface="+mn-lt"/>
+        <a:ea typeface="+mn-ea"/>
+        <a:cs typeface="+mn-cs"/>
+      </a:defRPr>
+    </a:lvl9pPr>
+  </p:notesStyle>
+</p:notesMaster>
+</file>
+
+<file path=ppt/notesSlides/notesSlide1.xml><?xml version="1.0" encoding="utf-8"?>
+<p:notes xmlns:a="http://schemas.openxmlformats.org/drawingml/2006/main" xmlns:r="http://schemas.openxmlformats.org/officeDocument/2006/relationships" xmlns:p="http://schemas.openxmlformats.org/presentationml/2006/main">
+  <p:cSld>
+    <p:spTree>
+      <p:nvGrpSpPr>
+        <p:cNvPr id="1" name=""/>
+        <p:cNvGrpSpPr/>
+        <p:nvPr/>
+      </p:nvGrpSpPr>
+      <p:grpSpPr>
+        <a:xfrm>
+          <a:off x="0" y="0"/>
+          <a:ext cx="0" cy="0"/>
+          <a:chOff x="0" y="0"/>
+          <a:chExt cx="0" cy="0"/>
+        </a:xfrm>
+      </p:grpSpPr>
+      <p:sp>
+        <p:nvSpPr>
+          <p:cNvPr id="2" name="Slide Image Placeholder 1"/>
+          <p:cNvSpPr>
+            <a:spLocks noGrp="1" noRot="1" noChangeAspect="1"/>
+          </p:cNvSpPr>
+          <p:nvPr>
+            <p:ph type="sldImg"/>
+          </p:nvPr>
+        </p:nvSpPr>
+        <p:spPr/>
+      </p:sp>
+      <p:sp>
+        <p:nvSpPr>
+          <p:cNvPr id="3" name="Notes Placeholder 2"/>
+          <p:cNvSpPr>
+            <a:spLocks noGrp="1"/>
+          </p:cNvSpPr>
+          <p:nvPr>
+            <p:ph type="body" idx="1"/>
+          </p:nvPr>
+        </p:nvSpPr>
+        <p:spPr/>
+        <p:txBody>
+          <a:bodyPr/>
+          <a:lstStyle/>
+          <a:p>
+            <a:r>
+              <a:rPr lang="en-MY" dirty="0"/>
+              <a:t>To tackle the problem statement, my initial working hypothesis is X. With this hypothesis in mind, I have made a few assumptions in order to reducing the problem boundary to be able to dive deeper into the problem. With that in mind I took the liberty to analyse the issue using a profitability framework</a:t>
+            </a:r>
+          </a:p>
+        </p:txBody>
+      </p:sp>
+      <p:sp>
+        <p:nvSpPr>
+          <p:cNvPr id="4" name="Slide Number Placeholder 3"/>
+          <p:cNvSpPr>
+            <a:spLocks noGrp="1"/>
+          </p:cNvSpPr>
+          <p:nvPr>
+            <p:ph type="sldNum" sz="quarter" idx="10"/>
+          </p:nvPr>
+        </p:nvSpPr>
+        <p:spPr/>
+        <p:txBody>
+          <a:bodyPr/>
+          <a:lstStyle/>
+          <a:p>
+            <a:fld id="{DFB9A418-7326-4BE6-954C-A9F1F8BBEE5B}" type="slidenum">
+              <a:rPr lang="en-MY" smtClean="0"/>
+              <a:t>9</a:t>
+            </a:fld>
+            <a:endParaRPr lang="en-MY"/>
+          </a:p>
+        </p:txBody>
+      </p:sp>
+    </p:spTree>
+    <p:extLst>
+      <p:ext uri="{BB962C8B-B14F-4D97-AF65-F5344CB8AC3E}">
+        <p14:creationId xmlns:p14="http://schemas.microsoft.com/office/powerpoint/2010/main" val="2303357233"/>
+      </p:ext>
+    </p:extLst>
+  </p:cSld>
+  <p:clrMapOvr>
+    <a:masterClrMapping/>
+  </p:clrMapOvr>
+</p:notes>
+</file>
+
+<file path=ppt/notesSlides/notesSlide2.xml><?xml version="1.0" encoding="utf-8"?>
+<p:notes xmlns:a="http://schemas.openxmlformats.org/drawingml/2006/main" xmlns:r="http://schemas.openxmlformats.org/officeDocument/2006/relationships" xmlns:p="http://schemas.openxmlformats.org/presentationml/2006/main">
+  <p:cSld>
+    <p:spTree>
+      <p:nvGrpSpPr>
+        <p:cNvPr id="1" name=""/>
+        <p:cNvGrpSpPr/>
+        <p:nvPr/>
+      </p:nvGrpSpPr>
+      <p:grpSpPr>
+        <a:xfrm>
+          <a:off x="0" y="0"/>
+          <a:ext cx="0" cy="0"/>
+          <a:chOff x="0" y="0"/>
+          <a:chExt cx="0" cy="0"/>
+        </a:xfrm>
+      </p:grpSpPr>
+      <p:sp>
+        <p:nvSpPr>
+          <p:cNvPr id="2" name="Slide Image Placeholder 1"/>
+          <p:cNvSpPr>
+            <a:spLocks noGrp="1" noRot="1" noChangeAspect="1"/>
+          </p:cNvSpPr>
+          <p:nvPr>
+            <p:ph type="sldImg"/>
+          </p:nvPr>
+        </p:nvSpPr>
+        <p:spPr/>
+      </p:sp>
+      <p:sp>
+        <p:nvSpPr>
+          <p:cNvPr id="3" name="Notes Placeholder 2"/>
+          <p:cNvSpPr>
+            <a:spLocks noGrp="1"/>
+          </p:cNvSpPr>
+          <p:nvPr>
+            <p:ph type="body" idx="1"/>
+          </p:nvPr>
+        </p:nvSpPr>
+        <p:spPr/>
+        <p:txBody>
+          <a:bodyPr/>
+          <a:lstStyle/>
+          <a:p>
+            <a:r>
+              <a:rPr lang="en-MY" dirty="0"/>
+              <a:t>Using a top-down approach, we first take a look at the retail space owner’s profitability model.</a:t>
+            </a:r>
+          </a:p>
+        </p:txBody>
+      </p:sp>
+      <p:sp>
+        <p:nvSpPr>
+          <p:cNvPr id="4" name="Slide Number Placeholder 3"/>
+          <p:cNvSpPr>
+            <a:spLocks noGrp="1"/>
+          </p:cNvSpPr>
+          <p:nvPr>
+            <p:ph type="sldNum" sz="quarter" idx="10"/>
+          </p:nvPr>
+        </p:nvSpPr>
+        <p:spPr/>
+        <p:txBody>
+          <a:bodyPr/>
+          <a:lstStyle/>
+          <a:p>
+            <a:fld id="{DFB9A418-7326-4BE6-954C-A9F1F8BBEE5B}" type="slidenum">
+              <a:rPr lang="en-MY" smtClean="0"/>
+              <a:t>10</a:t>
+            </a:fld>
+            <a:endParaRPr lang="en-MY"/>
+          </a:p>
+        </p:txBody>
+      </p:sp>
+    </p:spTree>
+    <p:extLst>
+      <p:ext uri="{BB962C8B-B14F-4D97-AF65-F5344CB8AC3E}">
+        <p14:creationId xmlns:p14="http://schemas.microsoft.com/office/powerpoint/2010/main" val="4288025495"/>
+      </p:ext>
+    </p:extLst>
+  </p:cSld>
+  <p:clrMapOvr>
+    <a:masterClrMapping/>
+  </p:clrMapOvr>
+</p:notes>
+</file>
+
+<file path=ppt/notesSlides/notesSlide3.xml><?xml version="1.0" encoding="utf-8"?>
+<p:notes xmlns:a="http://schemas.openxmlformats.org/drawingml/2006/main" xmlns:r="http://schemas.openxmlformats.org/officeDocument/2006/relationships" xmlns:p="http://schemas.openxmlformats.org/presentationml/2006/main">
+  <p:cSld>
+    <p:spTree>
+      <p:nvGrpSpPr>
+        <p:cNvPr id="1" name=""/>
+        <p:cNvGrpSpPr/>
+        <p:nvPr/>
+      </p:nvGrpSpPr>
+      <p:grpSpPr>
+        <a:xfrm>
+          <a:off x="0" y="0"/>
+          <a:ext cx="0" cy="0"/>
+          <a:chOff x="0" y="0"/>
+          <a:chExt cx="0" cy="0"/>
+        </a:xfrm>
+      </p:grpSpPr>
+      <p:sp>
+        <p:nvSpPr>
+          <p:cNvPr id="2" name="Slide Image Placeholder 1"/>
+          <p:cNvSpPr>
+            <a:spLocks noGrp="1" noRot="1" noChangeAspect="1"/>
+          </p:cNvSpPr>
+          <p:nvPr>
+            <p:ph type="sldImg"/>
+          </p:nvPr>
+        </p:nvSpPr>
+        <p:spPr/>
+      </p:sp>
+      <p:sp>
+        <p:nvSpPr>
+          <p:cNvPr id="3" name="Notes Placeholder 2"/>
+          <p:cNvSpPr>
+            <a:spLocks noGrp="1"/>
+          </p:cNvSpPr>
+          <p:nvPr>
+            <p:ph type="body" idx="1"/>
+          </p:nvPr>
+        </p:nvSpPr>
+        <p:spPr/>
+        <p:txBody>
+          <a:bodyPr/>
+          <a:lstStyle/>
+          <a:p>
+            <a:endParaRPr lang="en-MY" dirty="0"/>
+          </a:p>
+        </p:txBody>
+      </p:sp>
+      <p:sp>
+        <p:nvSpPr>
+          <p:cNvPr id="4" name="Slide Number Placeholder 3"/>
+          <p:cNvSpPr>
+            <a:spLocks noGrp="1"/>
+          </p:cNvSpPr>
+          <p:nvPr>
+            <p:ph type="sldNum" sz="quarter" idx="10"/>
+          </p:nvPr>
+        </p:nvSpPr>
+        <p:spPr/>
+        <p:txBody>
+          <a:bodyPr/>
+          <a:lstStyle/>
+          <a:p>
+            <a:fld id="{DFB9A418-7326-4BE6-954C-A9F1F8BBEE5B}" type="slidenum">
+              <a:rPr lang="en-MY" smtClean="0"/>
+              <a:t>11</a:t>
+            </a:fld>
+            <a:endParaRPr lang="en-MY"/>
+          </a:p>
+        </p:txBody>
+      </p:sp>
+    </p:spTree>
+    <p:extLst>
+      <p:ext uri="{BB962C8B-B14F-4D97-AF65-F5344CB8AC3E}">
+        <p14:creationId xmlns:p14="http://schemas.microsoft.com/office/powerpoint/2010/main" val="2142580886"/>
+      </p:ext>
+    </p:extLst>
+  </p:cSld>
+  <p:clrMapOvr>
+    <a:masterClrMapping/>
+  </p:clrMapOvr>
+</p:notes>
+</file>
+
 <file path=ppt/slideLayouts/slideLayout1.xml><?xml version="1.0" encoding="utf-8"?>
 <p:sldLayout xmlns:a="http://schemas.openxmlformats.org/drawingml/2006/main" xmlns:r="http://schemas.openxmlformats.org/officeDocument/2006/relationships" xmlns:p="http://schemas.openxmlformats.org/presentationml/2006/main" type="title" preserve="1">
   <p:cSld name="Title Slide">
@@ -270,7 +883,7 @@
           <a:p>
             <a:fld id="{4AEB4768-6F7C-47CB-87F1-E2A095958790}" type="datetimeFigureOut">
               <a:rPr lang="en-MY" smtClean="0"/>
-              <a:t>18/8/2018</a:t>
+              <a:t>19/8/2018</a:t>
             </a:fld>
             <a:endParaRPr lang="en-MY"/>
           </a:p>
@@ -470,7 +1083,7 @@
           <a:p>
             <a:fld id="{4AEB4768-6F7C-47CB-87F1-E2A095958790}" type="datetimeFigureOut">
               <a:rPr lang="en-MY" smtClean="0"/>
-              <a:t>18/8/2018</a:t>
+              <a:t>19/8/2018</a:t>
             </a:fld>
             <a:endParaRPr lang="en-MY"/>
           </a:p>
@@ -680,7 +1293,7 @@
           <a:p>
             <a:fld id="{4AEB4768-6F7C-47CB-87F1-E2A095958790}" type="datetimeFigureOut">
               <a:rPr lang="en-MY" smtClean="0"/>
-              <a:t>18/8/2018</a:t>
+              <a:t>19/8/2018</a:t>
             </a:fld>
             <a:endParaRPr lang="en-MY"/>
           </a:p>
@@ -880,7 +1493,7 @@
           <a:p>
             <a:fld id="{4AEB4768-6F7C-47CB-87F1-E2A095958790}" type="datetimeFigureOut">
               <a:rPr lang="en-MY" smtClean="0"/>
-              <a:t>18/8/2018</a:t>
+              <a:t>19/8/2018</a:t>
             </a:fld>
             <a:endParaRPr lang="en-MY"/>
           </a:p>
@@ -1156,7 +1769,7 @@
           <a:p>
             <a:fld id="{4AEB4768-6F7C-47CB-87F1-E2A095958790}" type="datetimeFigureOut">
               <a:rPr lang="en-MY" smtClean="0"/>
-              <a:t>18/8/2018</a:t>
+              <a:t>19/8/2018</a:t>
             </a:fld>
             <a:endParaRPr lang="en-MY"/>
           </a:p>
@@ -1424,7 +2037,7 @@
           <a:p>
             <a:fld id="{4AEB4768-6F7C-47CB-87F1-E2A095958790}" type="datetimeFigureOut">
               <a:rPr lang="en-MY" smtClean="0"/>
-              <a:t>18/8/2018</a:t>
+              <a:t>19/8/2018</a:t>
             </a:fld>
             <a:endParaRPr lang="en-MY"/>
           </a:p>
@@ -1839,7 +2452,7 @@
           <a:p>
             <a:fld id="{4AEB4768-6F7C-47CB-87F1-E2A095958790}" type="datetimeFigureOut">
               <a:rPr lang="en-MY" smtClean="0"/>
-              <a:t>18/8/2018</a:t>
+              <a:t>19/8/2018</a:t>
             </a:fld>
             <a:endParaRPr lang="en-MY"/>
           </a:p>
@@ -1981,7 +2594,7 @@
           <a:p>
             <a:fld id="{4AEB4768-6F7C-47CB-87F1-E2A095958790}" type="datetimeFigureOut">
               <a:rPr lang="en-MY" smtClean="0"/>
-              <a:t>18/8/2018</a:t>
+              <a:t>19/8/2018</a:t>
             </a:fld>
             <a:endParaRPr lang="en-MY"/>
           </a:p>
@@ -2094,7 +2707,7 @@
           <a:p>
             <a:fld id="{4AEB4768-6F7C-47CB-87F1-E2A095958790}" type="datetimeFigureOut">
               <a:rPr lang="en-MY" smtClean="0"/>
-              <a:t>18/8/2018</a:t>
+              <a:t>19/8/2018</a:t>
             </a:fld>
             <a:endParaRPr lang="en-MY"/>
           </a:p>
@@ -2407,7 +3020,7 @@
           <a:p>
             <a:fld id="{4AEB4768-6F7C-47CB-87F1-E2A095958790}" type="datetimeFigureOut">
               <a:rPr lang="en-MY" smtClean="0"/>
-              <a:t>18/8/2018</a:t>
+              <a:t>19/8/2018</a:t>
             </a:fld>
             <a:endParaRPr lang="en-MY"/>
           </a:p>
@@ -2696,7 +3309,7 @@
           <a:p>
             <a:fld id="{4AEB4768-6F7C-47CB-87F1-E2A095958790}" type="datetimeFigureOut">
               <a:rPr lang="en-MY" smtClean="0"/>
-              <a:t>18/8/2018</a:t>
+              <a:t>19/8/2018</a:t>
             </a:fld>
             <a:endParaRPr lang="en-MY"/>
           </a:p>
@@ -2939,7 +3552,7 @@
           <a:p>
             <a:fld id="{4AEB4768-6F7C-47CB-87F1-E2A095958790}" type="datetimeFigureOut">
               <a:rPr lang="en-MY" smtClean="0"/>
-              <a:t>18/8/2018</a:t>
+              <a:t>19/8/2018</a:t>
             </a:fld>
             <a:endParaRPr lang="en-MY"/>
           </a:p>
@@ -3467,7 +4080,7 @@
           <a:p>
             <a:r>
               <a:rPr lang="en-MY" dirty="0"/>
-              <a:t>Profitability Model of Shop Owner Collective</a:t>
+              <a:t>Profitability Model of Landlord </a:t>
             </a:r>
           </a:p>
         </p:txBody>
@@ -3681,7 +4294,7 @@
         <p:spPr>
           <a:xfrm>
             <a:off x="48096" y="3675448"/>
-            <a:ext cx="3593400" cy="369332"/>
+            <a:ext cx="3593400" cy="2236832"/>
           </a:xfrm>
           <a:prstGeom prst="rect">
             <a:avLst/>
@@ -3697,12 +4310,47 @@
             <a:pPr algn="ctr"/>
             <a:r>
               <a:rPr lang="en-MY" dirty="0"/>
-              <a:t>Average </a:t>
-            </a:r>
-            <a:r>
-              <a:rPr lang="en-MY"/>
-              <a:t>Sales Price</a:t>
-            </a:r>
+              <a:t>Average Sales Price</a:t>
+            </a:r>
+          </a:p>
+          <a:p>
+            <a:pPr marL="285750" indent="-285750">
+              <a:buFont typeface="Arial" panose="020B0604020202020204" pitchFamily="34" charset="0"/>
+              <a:buChar char="•"/>
+            </a:pPr>
+            <a:r>
+              <a:rPr lang="en-MY" dirty="0"/>
+              <a:t>Rent</a:t>
+            </a:r>
+          </a:p>
+          <a:p>
+            <a:pPr marL="285750" indent="-285750">
+              <a:buFont typeface="Arial" panose="020B0604020202020204" pitchFamily="34" charset="0"/>
+              <a:buChar char="•"/>
+            </a:pPr>
+            <a:r>
+              <a:rPr lang="en-MY" dirty="0"/>
+              <a:t>Rent </a:t>
+            </a:r>
+            <a:r>
+              <a:rPr lang="ja-JP" altLang="en-US" dirty="0"/>
+              <a:t>↑ </a:t>
+            </a:r>
+            <a:br>
+              <a:rPr lang="en-MY" altLang="ja-JP" dirty="0"/>
+            </a:br>
+            <a:r>
+              <a:rPr lang="en-MY" altLang="ja-JP" dirty="0"/>
+              <a:t>occupancy rate</a:t>
+            </a:r>
+            <a:r>
+              <a:rPr lang="ja-JP" altLang="en-US" dirty="0"/>
+              <a:t> ↓</a:t>
+            </a:r>
+            <a:endParaRPr lang="en-MY" dirty="0"/>
+          </a:p>
+          <a:p>
+            <a:pPr algn="ctr"/>
             <a:endParaRPr lang="en-MY" dirty="0"/>
           </a:p>
         </p:txBody>
@@ -3722,7 +4370,7 @@
         <p:spPr>
           <a:xfrm>
             <a:off x="3408640" y="3688802"/>
-            <a:ext cx="2378441" cy="369332"/>
+            <a:ext cx="2378441" cy="1200329"/>
           </a:xfrm>
           <a:prstGeom prst="rect">
             <a:avLst/>
@@ -3738,6 +4386,27 @@
             <a:r>
               <a:rPr lang="en-MY" dirty="0"/>
               <a:t>Volume</a:t>
+            </a:r>
+          </a:p>
+          <a:p>
+            <a:pPr marL="285750" indent="-285750">
+              <a:buFont typeface="Arial" panose="020B0604020202020204" pitchFamily="34" charset="0"/>
+              <a:buChar char="•"/>
+            </a:pPr>
+            <a:r>
+              <a:rPr lang="en-MY" altLang="ja-JP" dirty="0"/>
+              <a:t>Occupancy rate</a:t>
+            </a:r>
+            <a:r>
+              <a:rPr lang="ja-JP" altLang="en-US" dirty="0"/>
+              <a:t> </a:t>
+            </a:r>
+            <a:endParaRPr lang="en-MY" altLang="ja-JP" dirty="0"/>
+          </a:p>
+          <a:p>
+            <a:r>
+              <a:rPr lang="en-MY" dirty="0"/>
+              <a:t>     ( Occupied outlets/ Available outlets )</a:t>
             </a:r>
           </a:p>
         </p:txBody>
@@ -3870,41 +4539,6 @@
           </a:fontRef>
         </p:style>
       </p:cxnSp>
-      <p:sp>
-        <p:nvSpPr>
-          <p:cNvPr id="35" name="TextBox 34">
-            <a:extLst>
-              <a:ext uri="{FF2B5EF4-FFF2-40B4-BE49-F238E27FC236}">
-                <a16:creationId xmlns:a16="http://schemas.microsoft.com/office/drawing/2014/main" id="{33449FFB-B1ED-4A68-B182-FF72BAB669EA}"/>
-              </a:ext>
-            </a:extLst>
-          </p:cNvPr>
-          <p:cNvSpPr txBox="1"/>
-          <p:nvPr/>
-        </p:nvSpPr>
-        <p:spPr>
-          <a:xfrm>
-            <a:off x="6852481" y="3675448"/>
-            <a:ext cx="2188943" cy="369332"/>
-          </a:xfrm>
-          <a:prstGeom prst="rect">
-            <a:avLst/>
-          </a:prstGeom>
-          <a:noFill/>
-        </p:spPr>
-        <p:txBody>
-          <a:bodyPr wrap="square" rtlCol="0">
-            <a:spAutoFit/>
-          </a:bodyPr>
-          <a:lstStyle/>
-          <a:p>
-            <a:r>
-              <a:rPr lang="en-MY" dirty="0"/>
-              <a:t>Average Cost Price</a:t>
-            </a:r>
-          </a:p>
-        </p:txBody>
-      </p:sp>
       <p:cxnSp>
         <p:nvCxnSpPr>
           <p:cNvPr id="37" name="Straight Arrow Connector 36">
@@ -3917,7 +4551,6 @@
           <p:cNvCxnSpPr>
             <a:cxnSpLocks/>
             <a:stCxn id="7" idx="2"/>
-            <a:endCxn id="35" idx="0"/>
           </p:cNvCxnSpPr>
           <p:nvPr/>
         </p:nvCxnSpPr>
@@ -3948,41 +4581,6 @@
           </a:fontRef>
         </p:style>
       </p:cxnSp>
-      <p:sp>
-        <p:nvSpPr>
-          <p:cNvPr id="41" name="TextBox 40">
-            <a:extLst>
-              <a:ext uri="{FF2B5EF4-FFF2-40B4-BE49-F238E27FC236}">
-                <a16:creationId xmlns:a16="http://schemas.microsoft.com/office/drawing/2014/main" id="{75E18234-E69B-4863-B28D-1BA1074ED30D}"/>
-              </a:ext>
-            </a:extLst>
-          </p:cNvPr>
-          <p:cNvSpPr txBox="1"/>
-          <p:nvPr/>
-        </p:nvSpPr>
-        <p:spPr>
-          <a:xfrm>
-            <a:off x="9334843" y="3675448"/>
-            <a:ext cx="1575212" cy="369332"/>
-          </a:xfrm>
-          <a:prstGeom prst="rect">
-            <a:avLst/>
-          </a:prstGeom>
-          <a:noFill/>
-        </p:spPr>
-        <p:txBody>
-          <a:bodyPr wrap="square" rtlCol="0">
-            <a:spAutoFit/>
-          </a:bodyPr>
-          <a:lstStyle/>
-          <a:p>
-            <a:r>
-              <a:rPr lang="en-MY" dirty="0"/>
-              <a:t>Volume</a:t>
-            </a:r>
-          </a:p>
-        </p:txBody>
-      </p:sp>
       <p:cxnSp>
         <p:nvCxnSpPr>
           <p:cNvPr id="43" name="Straight Arrow Connector 42">
@@ -4027,10 +4625,10 @@
       </p:cxnSp>
       <p:sp>
         <p:nvSpPr>
-          <p:cNvPr id="65" name="TextBox 64">
-            <a:extLst>
-              <a:ext uri="{FF2B5EF4-FFF2-40B4-BE49-F238E27FC236}">
-                <a16:creationId xmlns:a16="http://schemas.microsoft.com/office/drawing/2014/main" id="{6F119008-7BE0-46A9-8F50-A725993A12A3}"/>
+          <p:cNvPr id="68" name="TextBox 67">
+            <a:extLst>
+              <a:ext uri="{FF2B5EF4-FFF2-40B4-BE49-F238E27FC236}">
+                <a16:creationId xmlns:a16="http://schemas.microsoft.com/office/drawing/2014/main" id="{65136897-1644-4850-8303-281C2E2A73F5}"/>
               </a:ext>
             </a:extLst>
           </p:cNvPr>
@@ -4039,8 +4637,8 @@
         </p:nvSpPr>
         <p:spPr>
           <a:xfrm>
-            <a:off x="8725471" y="3675448"/>
-            <a:ext cx="575459" cy="559208"/>
+            <a:off x="7002040" y="3721614"/>
+            <a:ext cx="2338501" cy="646331"/>
           </a:xfrm>
           <a:prstGeom prst="rect">
             <a:avLst/>
@@ -4053,27 +4651,25 @@
           </a:bodyPr>
           <a:lstStyle/>
           <a:p>
-            <a:pPr algn="ctr"/>
-            <a:r>
-              <a:rPr lang="en-US" altLang="ja-JP" dirty="0">
-                <a:latin typeface="Cambria Math" panose="02040503050406030204" pitchFamily="18" charset="0"/>
-                <a:ea typeface="Cambria Math" panose="02040503050406030204" pitchFamily="18" charset="0"/>
-              </a:rPr>
-              <a:t>×</a:t>
-            </a:r>
-            <a:endParaRPr lang="en-MY" dirty="0">
-              <a:latin typeface="Cambria Math" panose="02040503050406030204" pitchFamily="18" charset="0"/>
-              <a:ea typeface="Cambria Math" panose="02040503050406030204" pitchFamily="18" charset="0"/>
-            </a:endParaRPr>
-          </a:p>
-        </p:txBody>
-      </p:sp>
-      <p:sp>
-        <p:nvSpPr>
-          <p:cNvPr id="68" name="TextBox 67">
-            <a:extLst>
-              <a:ext uri="{FF2B5EF4-FFF2-40B4-BE49-F238E27FC236}">
-                <a16:creationId xmlns:a16="http://schemas.microsoft.com/office/drawing/2014/main" id="{65136897-1644-4850-8303-281C2E2A73F5}"/>
+            <a:r>
+              <a:rPr lang="en-MY" dirty="0"/>
+              <a:t>Fixed Cost</a:t>
+            </a:r>
+          </a:p>
+          <a:p>
+            <a:r>
+              <a:rPr lang="en-MY" dirty="0"/>
+              <a:t>- Maintenance Cost</a:t>
+            </a:r>
+          </a:p>
+        </p:txBody>
+      </p:sp>
+      <p:sp>
+        <p:nvSpPr>
+          <p:cNvPr id="69" name="TextBox 68">
+            <a:extLst>
+              <a:ext uri="{FF2B5EF4-FFF2-40B4-BE49-F238E27FC236}">
+                <a16:creationId xmlns:a16="http://schemas.microsoft.com/office/drawing/2014/main" id="{3DC72B7E-5E0A-4EE7-A0FD-EA5936FEAB1E}"/>
               </a:ext>
             </a:extLst>
           </p:cNvPr>
@@ -4082,8 +4678,8 @@
         </p:nvSpPr>
         <p:spPr>
           <a:xfrm>
-            <a:off x="6852481" y="4058134"/>
-            <a:ext cx="4243411" cy="369332"/>
+            <a:off x="9527760" y="3721614"/>
+            <a:ext cx="2200665" cy="646331"/>
           </a:xfrm>
           <a:prstGeom prst="rect">
             <a:avLst/>
@@ -4098,15 +4694,176 @@
           <a:p>
             <a:r>
               <a:rPr lang="en-MY" dirty="0"/>
-              <a:t>Dependent on businesses’ business model</a:t>
-            </a:r>
-          </a:p>
-        </p:txBody>
-      </p:sp>
+              <a:t>Variable Cost</a:t>
+            </a:r>
+          </a:p>
+          <a:p>
+            <a:r>
+              <a:rPr lang="en-MY" dirty="0"/>
+              <a:t>- Utilities</a:t>
+            </a:r>
+          </a:p>
+        </p:txBody>
+      </p:sp>
+      <p:cxnSp>
+        <p:nvCxnSpPr>
+          <p:cNvPr id="4" name="Straight Arrow Connector 3">
+            <a:extLst>
+              <a:ext uri="{FF2B5EF4-FFF2-40B4-BE49-F238E27FC236}">
+                <a16:creationId xmlns:a16="http://schemas.microsoft.com/office/drawing/2014/main" id="{44076253-02BA-4BD2-9B3D-0D4A1D8CD3B2}"/>
+              </a:ext>
+            </a:extLst>
+          </p:cNvPr>
+          <p:cNvCxnSpPr>
+            <a:cxnSpLocks/>
+          </p:cNvCxnSpPr>
+          <p:nvPr/>
+        </p:nvCxnSpPr>
+        <p:spPr>
+          <a:xfrm>
+            <a:off x="3989930" y="4889131"/>
+            <a:ext cx="233307" cy="757690"/>
+          </a:xfrm>
+          <a:prstGeom prst="straightConnector1">
+            <a:avLst/>
+          </a:prstGeom>
+          <a:ln>
+            <a:tailEnd type="triangle"/>
+          </a:ln>
+        </p:spPr>
+        <p:style>
+          <a:lnRef idx="1">
+            <a:schemeClr val="accent1"/>
+          </a:lnRef>
+          <a:fillRef idx="0">
+            <a:schemeClr val="accent1"/>
+          </a:fillRef>
+          <a:effectRef idx="0">
+            <a:schemeClr val="accent1"/>
+          </a:effectRef>
+          <a:fontRef idx="minor">
+            <a:schemeClr val="tx1"/>
+          </a:fontRef>
+        </p:style>
+      </p:cxnSp>
+      <p:sp>
+        <p:nvSpPr>
+          <p:cNvPr id="12" name="TextBox 11">
+            <a:extLst>
+              <a:ext uri="{FF2B5EF4-FFF2-40B4-BE49-F238E27FC236}">
+                <a16:creationId xmlns:a16="http://schemas.microsoft.com/office/drawing/2014/main" id="{5A27148A-18EE-40B0-9689-3B27E3ADCB00}"/>
+              </a:ext>
+            </a:extLst>
+          </p:cNvPr>
+          <p:cNvSpPr txBox="1"/>
+          <p:nvPr/>
+        </p:nvSpPr>
+        <p:spPr>
+          <a:xfrm>
+            <a:off x="3695952" y="5646821"/>
+            <a:ext cx="1054570" cy="369332"/>
+          </a:xfrm>
+          <a:prstGeom prst="rect">
+            <a:avLst/>
+          </a:prstGeom>
+          <a:noFill/>
+        </p:spPr>
+        <p:txBody>
+          <a:bodyPr wrap="square" rtlCol="0">
+            <a:spAutoFit/>
+          </a:bodyPr>
+          <a:lstStyle/>
+          <a:p>
+            <a:pPr algn="ctr"/>
+            <a:r>
+              <a:rPr lang="en-MY" dirty="0"/>
+              <a:t>Demand</a:t>
+            </a:r>
+          </a:p>
+        </p:txBody>
+      </p:sp>
+      <p:sp>
+        <p:nvSpPr>
+          <p:cNvPr id="13" name="TextBox 12">
+            <a:extLst>
+              <a:ext uri="{FF2B5EF4-FFF2-40B4-BE49-F238E27FC236}">
+                <a16:creationId xmlns:a16="http://schemas.microsoft.com/office/drawing/2014/main" id="{F733DCDE-E638-421F-A046-7AB7C35478D8}"/>
+              </a:ext>
+            </a:extLst>
+          </p:cNvPr>
+          <p:cNvSpPr txBox="1"/>
+          <p:nvPr/>
+        </p:nvSpPr>
+        <p:spPr>
+          <a:xfrm>
+            <a:off x="2358496" y="6343985"/>
+            <a:ext cx="3729482" cy="369332"/>
+          </a:xfrm>
+          <a:prstGeom prst="rect">
+            <a:avLst/>
+          </a:prstGeom>
+          <a:noFill/>
+        </p:spPr>
+        <p:txBody>
+          <a:bodyPr wrap="square" rtlCol="0">
+            <a:spAutoFit/>
+          </a:bodyPr>
+          <a:lstStyle/>
+          <a:p>
+            <a:pPr algn="ctr"/>
+            <a:r>
+              <a:rPr lang="en-MY" dirty="0"/>
+              <a:t>Profitability of shop owners</a:t>
+            </a:r>
+          </a:p>
+        </p:txBody>
+      </p:sp>
+      <p:cxnSp>
+        <p:nvCxnSpPr>
+          <p:cNvPr id="15" name="Straight Arrow Connector 14">
+            <a:extLst>
+              <a:ext uri="{FF2B5EF4-FFF2-40B4-BE49-F238E27FC236}">
+                <a16:creationId xmlns:a16="http://schemas.microsoft.com/office/drawing/2014/main" id="{12C77D76-1817-4C4B-B927-2A2E738E14AB}"/>
+              </a:ext>
+            </a:extLst>
+          </p:cNvPr>
+          <p:cNvCxnSpPr>
+            <a:stCxn id="12" idx="2"/>
+            <a:endCxn id="13" idx="0"/>
+          </p:cNvCxnSpPr>
+          <p:nvPr/>
+        </p:nvCxnSpPr>
+        <p:spPr>
+          <a:xfrm>
+            <a:off x="4223237" y="6016153"/>
+            <a:ext cx="0" cy="327832"/>
+          </a:xfrm>
+          <a:prstGeom prst="straightConnector1">
+            <a:avLst/>
+          </a:prstGeom>
+          <a:ln>
+            <a:tailEnd type="triangle"/>
+          </a:ln>
+        </p:spPr>
+        <p:style>
+          <a:lnRef idx="1">
+            <a:schemeClr val="accent1"/>
+          </a:lnRef>
+          <a:fillRef idx="0">
+            <a:schemeClr val="accent1"/>
+          </a:fillRef>
+          <a:effectRef idx="0">
+            <a:schemeClr val="accent1"/>
+          </a:effectRef>
+          <a:fontRef idx="minor">
+            <a:schemeClr val="tx1"/>
+          </a:fontRef>
+        </p:style>
+      </p:cxnSp>
     </p:spTree>
     <p:extLst>
       <p:ext uri="{BB962C8B-B14F-4D97-AF65-F5344CB8AC3E}">
-        <p14:creationId xmlns:p14="http://schemas.microsoft.com/office/powerpoint/2010/main" val="267578266"/>
+        <p14:creationId xmlns:p14="http://schemas.microsoft.com/office/powerpoint/2010/main" val="3092310661"/>
       </p:ext>
     </p:extLst>
   </p:cSld>
@@ -4116,7 +4873,7 @@
 </p:sld>
 </file>
 
-<file path=ppt/slides/slide2.xml><?xml version="1.0" encoding="utf-8"?>
+<file path=ppt/slides/slide11.xml><?xml version="1.0" encoding="utf-8"?>
 <p:sld xmlns:a="http://schemas.openxmlformats.org/drawingml/2006/main" xmlns:r="http://schemas.openxmlformats.org/officeDocument/2006/relationships" xmlns:p="http://schemas.openxmlformats.org/presentationml/2006/main">
   <p:cSld>
     <p:spTree>
@@ -4138,632 +4895,6 @@
           <p:cNvPr id="2" name="Title 1">
             <a:extLst>
               <a:ext uri="{FF2B5EF4-FFF2-40B4-BE49-F238E27FC236}">
-                <a16:creationId xmlns:a16="http://schemas.microsoft.com/office/drawing/2014/main" id="{836B5DB6-8A11-42FD-A4A1-329C56F1ED10}"/>
-              </a:ext>
-            </a:extLst>
-          </p:cNvPr>
-          <p:cNvSpPr>
-            <a:spLocks noGrp="1"/>
-          </p:cNvSpPr>
-          <p:nvPr>
-            <p:ph type="title"/>
-          </p:nvPr>
-        </p:nvSpPr>
-        <p:spPr/>
-        <p:txBody>
-          <a:bodyPr/>
-          <a:lstStyle/>
-          <a:p>
-            <a:r>
-              <a:rPr lang="en-MY" dirty="0"/>
-              <a:t>Executive Summary</a:t>
-            </a:r>
-          </a:p>
-        </p:txBody>
-      </p:sp>
-      <p:sp>
-        <p:nvSpPr>
-          <p:cNvPr id="3" name="Content Placeholder 2">
-            <a:extLst>
-              <a:ext uri="{FF2B5EF4-FFF2-40B4-BE49-F238E27FC236}">
-                <a16:creationId xmlns:a16="http://schemas.microsoft.com/office/drawing/2014/main" id="{953710CA-84F2-4593-AF61-F35F7D0C9784}"/>
-              </a:ext>
-            </a:extLst>
-          </p:cNvPr>
-          <p:cNvSpPr>
-            <a:spLocks noGrp="1"/>
-          </p:cNvSpPr>
-          <p:nvPr>
-            <p:ph idx="1"/>
-          </p:nvPr>
-        </p:nvSpPr>
-        <p:spPr/>
-        <p:txBody>
-          <a:bodyPr/>
-          <a:lstStyle/>
-          <a:p>
-            <a:pPr marL="0" indent="0">
-              <a:buNone/>
-            </a:pPr>
-            <a:r>
-              <a:rPr lang="en-US" dirty="0"/>
-              <a:t>The executive summary introduces your company, explains what you do, and lays out what you’re looking for from your readers. </a:t>
-            </a:r>
-            <a:endParaRPr lang="en-MY" dirty="0"/>
-          </a:p>
-        </p:txBody>
-      </p:sp>
-    </p:spTree>
-    <p:extLst>
-      <p:ext uri="{BB962C8B-B14F-4D97-AF65-F5344CB8AC3E}">
-        <p14:creationId xmlns:p14="http://schemas.microsoft.com/office/powerpoint/2010/main" val="1957688456"/>
-      </p:ext>
-    </p:extLst>
-  </p:cSld>
-  <p:clrMapOvr>
-    <a:masterClrMapping/>
-  </p:clrMapOvr>
-</p:sld>
-</file>
-
-<file path=ppt/slides/slide3.xml><?xml version="1.0" encoding="utf-8"?>
-<p:sld xmlns:a="http://schemas.openxmlformats.org/drawingml/2006/main" xmlns:r="http://schemas.openxmlformats.org/officeDocument/2006/relationships" xmlns:p="http://schemas.openxmlformats.org/presentationml/2006/main">
-  <p:cSld>
-    <p:spTree>
-      <p:nvGrpSpPr>
-        <p:cNvPr id="1" name=""/>
-        <p:cNvGrpSpPr/>
-        <p:nvPr/>
-      </p:nvGrpSpPr>
-      <p:grpSpPr>
-        <a:xfrm>
-          <a:off x="0" y="0"/>
-          <a:ext cx="0" cy="0"/>
-          <a:chOff x="0" y="0"/>
-          <a:chExt cx="0" cy="0"/>
-        </a:xfrm>
-      </p:grpSpPr>
-      <p:sp>
-        <p:nvSpPr>
-          <p:cNvPr id="2" name="Title 1">
-            <a:extLst>
-              <a:ext uri="{FF2B5EF4-FFF2-40B4-BE49-F238E27FC236}">
-                <a16:creationId xmlns:a16="http://schemas.microsoft.com/office/drawing/2014/main" id="{581E3DA8-5CAE-4F9A-8BFC-EF6A72FCD619}"/>
-              </a:ext>
-            </a:extLst>
-          </p:cNvPr>
-          <p:cNvSpPr>
-            <a:spLocks noGrp="1"/>
-          </p:cNvSpPr>
-          <p:nvPr>
-            <p:ph type="title"/>
-          </p:nvPr>
-        </p:nvSpPr>
-        <p:spPr/>
-        <p:txBody>
-          <a:bodyPr/>
-          <a:lstStyle/>
-          <a:p>
-            <a:endParaRPr lang="en-MY"/>
-          </a:p>
-        </p:txBody>
-      </p:sp>
-      <p:sp>
-        <p:nvSpPr>
-          <p:cNvPr id="3" name="Content Placeholder 2">
-            <a:extLst>
-              <a:ext uri="{FF2B5EF4-FFF2-40B4-BE49-F238E27FC236}">
-                <a16:creationId xmlns:a16="http://schemas.microsoft.com/office/drawing/2014/main" id="{7CA3ED54-52D7-4D9E-A8E9-03A1E6B91AFA}"/>
-              </a:ext>
-            </a:extLst>
-          </p:cNvPr>
-          <p:cNvSpPr>
-            <a:spLocks noGrp="1"/>
-          </p:cNvSpPr>
-          <p:nvPr>
-            <p:ph idx="1"/>
-          </p:nvPr>
-        </p:nvSpPr>
-        <p:spPr/>
-        <p:txBody>
-          <a:bodyPr/>
-          <a:lstStyle/>
-          <a:p>
-            <a:r>
-              <a:rPr lang="en-MY" dirty="0"/>
-              <a:t>Problem</a:t>
-            </a:r>
-          </a:p>
-          <a:p>
-            <a:r>
-              <a:rPr lang="en-MY" dirty="0"/>
-              <a:t>Solution</a:t>
-            </a:r>
-          </a:p>
-          <a:p>
-            <a:r>
-              <a:rPr lang="en-MY" dirty="0"/>
-              <a:t>Target market</a:t>
-            </a:r>
-          </a:p>
-          <a:p>
-            <a:r>
-              <a:rPr lang="en-MY" dirty="0"/>
-              <a:t>Competition</a:t>
-            </a:r>
-          </a:p>
-        </p:txBody>
-      </p:sp>
-    </p:spTree>
-    <p:extLst>
-      <p:ext uri="{BB962C8B-B14F-4D97-AF65-F5344CB8AC3E}">
-        <p14:creationId xmlns:p14="http://schemas.microsoft.com/office/powerpoint/2010/main" val="1571279623"/>
-      </p:ext>
-    </p:extLst>
-  </p:cSld>
-  <p:clrMapOvr>
-    <a:masterClrMapping/>
-  </p:clrMapOvr>
-</p:sld>
-</file>
-
-<file path=ppt/slides/slide4.xml><?xml version="1.0" encoding="utf-8"?>
-<p:sld xmlns:a="http://schemas.openxmlformats.org/drawingml/2006/main" xmlns:r="http://schemas.openxmlformats.org/officeDocument/2006/relationships" xmlns:p="http://schemas.openxmlformats.org/presentationml/2006/main">
-  <p:cSld>
-    <p:spTree>
-      <p:nvGrpSpPr>
-        <p:cNvPr id="1" name=""/>
-        <p:cNvGrpSpPr/>
-        <p:nvPr/>
-      </p:nvGrpSpPr>
-      <p:grpSpPr>
-        <a:xfrm>
-          <a:off x="0" y="0"/>
-          <a:ext cx="0" cy="0"/>
-          <a:chOff x="0" y="0"/>
-          <a:chExt cx="0" cy="0"/>
-        </a:xfrm>
-      </p:grpSpPr>
-      <p:sp>
-        <p:nvSpPr>
-          <p:cNvPr id="2" name="Title 1">
-            <a:extLst>
-              <a:ext uri="{FF2B5EF4-FFF2-40B4-BE49-F238E27FC236}">
-                <a16:creationId xmlns:a16="http://schemas.microsoft.com/office/drawing/2014/main" id="{CA92ADFD-9164-468D-BCE3-31FD25DBE500}"/>
-              </a:ext>
-            </a:extLst>
-          </p:cNvPr>
-          <p:cNvSpPr>
-            <a:spLocks noGrp="1"/>
-          </p:cNvSpPr>
-          <p:nvPr>
-            <p:ph type="title"/>
-          </p:nvPr>
-        </p:nvSpPr>
-        <p:spPr/>
-        <p:txBody>
-          <a:bodyPr/>
-          <a:lstStyle/>
-          <a:p>
-            <a:r>
-              <a:rPr lang="en-MY" dirty="0"/>
-              <a:t>Problem</a:t>
-            </a:r>
-          </a:p>
-        </p:txBody>
-      </p:sp>
-      <p:sp>
-        <p:nvSpPr>
-          <p:cNvPr id="3" name="Content Placeholder 2">
-            <a:extLst>
-              <a:ext uri="{FF2B5EF4-FFF2-40B4-BE49-F238E27FC236}">
-                <a16:creationId xmlns:a16="http://schemas.microsoft.com/office/drawing/2014/main" id="{DCC1B3A1-2652-490E-9482-A0FD30546EE5}"/>
-              </a:ext>
-            </a:extLst>
-          </p:cNvPr>
-          <p:cNvSpPr>
-            <a:spLocks noGrp="1"/>
-          </p:cNvSpPr>
-          <p:nvPr>
-            <p:ph idx="1"/>
-          </p:nvPr>
-        </p:nvSpPr>
-        <p:spPr/>
-        <p:txBody>
-          <a:bodyPr/>
-          <a:lstStyle/>
-          <a:p>
-            <a:r>
-              <a:rPr lang="en-US" dirty="0"/>
-              <a:t>Retail Space Property Owners suffer from loss of tenants and unable to collect rent</a:t>
-            </a:r>
-          </a:p>
-          <a:p>
-            <a:r>
-              <a:rPr lang="en-US" dirty="0"/>
-              <a:t>Shop Owners suffer from profitability loss because customers are moving to online shopping and E-commerce</a:t>
-            </a:r>
-            <a:endParaRPr lang="en-MY" dirty="0"/>
-          </a:p>
-          <a:p>
-            <a:endParaRPr lang="en-MY" dirty="0"/>
-          </a:p>
-        </p:txBody>
-      </p:sp>
-    </p:spTree>
-    <p:extLst>
-      <p:ext uri="{BB962C8B-B14F-4D97-AF65-F5344CB8AC3E}">
-        <p14:creationId xmlns:p14="http://schemas.microsoft.com/office/powerpoint/2010/main" val="1160152449"/>
-      </p:ext>
-    </p:extLst>
-  </p:cSld>
-  <p:clrMapOvr>
-    <a:masterClrMapping/>
-  </p:clrMapOvr>
-</p:sld>
-</file>
-
-<file path=ppt/slides/slide5.xml><?xml version="1.0" encoding="utf-8"?>
-<p:sld xmlns:a="http://schemas.openxmlformats.org/drawingml/2006/main" xmlns:r="http://schemas.openxmlformats.org/officeDocument/2006/relationships" xmlns:p="http://schemas.openxmlformats.org/presentationml/2006/main">
-  <p:cSld>
-    <p:spTree>
-      <p:nvGrpSpPr>
-        <p:cNvPr id="1" name=""/>
-        <p:cNvGrpSpPr/>
-        <p:nvPr/>
-      </p:nvGrpSpPr>
-      <p:grpSpPr>
-        <a:xfrm>
-          <a:off x="0" y="0"/>
-          <a:ext cx="0" cy="0"/>
-          <a:chOff x="0" y="0"/>
-          <a:chExt cx="0" cy="0"/>
-        </a:xfrm>
-      </p:grpSpPr>
-      <p:sp>
-        <p:nvSpPr>
-          <p:cNvPr id="2" name="Title 1">
-            <a:extLst>
-              <a:ext uri="{FF2B5EF4-FFF2-40B4-BE49-F238E27FC236}">
-                <a16:creationId xmlns:a16="http://schemas.microsoft.com/office/drawing/2014/main" id="{8848C839-FA31-44C8-9F6B-14469B59D694}"/>
-              </a:ext>
-            </a:extLst>
-          </p:cNvPr>
-          <p:cNvSpPr>
-            <a:spLocks noGrp="1"/>
-          </p:cNvSpPr>
-          <p:nvPr>
-            <p:ph type="title"/>
-          </p:nvPr>
-        </p:nvSpPr>
-        <p:spPr/>
-        <p:txBody>
-          <a:bodyPr/>
-          <a:lstStyle/>
-          <a:p>
-            <a:endParaRPr lang="en-MY"/>
-          </a:p>
-        </p:txBody>
-      </p:sp>
-      <p:sp>
-        <p:nvSpPr>
-          <p:cNvPr id="3" name="Content Placeholder 2">
-            <a:extLst>
-              <a:ext uri="{FF2B5EF4-FFF2-40B4-BE49-F238E27FC236}">
-                <a16:creationId xmlns:a16="http://schemas.microsoft.com/office/drawing/2014/main" id="{D12D8367-18E9-45DD-BB5A-3EEE1D311920}"/>
-              </a:ext>
-            </a:extLst>
-          </p:cNvPr>
-          <p:cNvSpPr>
-            <a:spLocks noGrp="1"/>
-          </p:cNvSpPr>
-          <p:nvPr>
-            <p:ph idx="1"/>
-          </p:nvPr>
-        </p:nvSpPr>
-        <p:spPr/>
-        <p:txBody>
-          <a:bodyPr/>
-          <a:lstStyle/>
-          <a:p>
-            <a:endParaRPr lang="en-MY"/>
-          </a:p>
-        </p:txBody>
-      </p:sp>
-    </p:spTree>
-    <p:extLst>
-      <p:ext uri="{BB962C8B-B14F-4D97-AF65-F5344CB8AC3E}">
-        <p14:creationId xmlns:p14="http://schemas.microsoft.com/office/powerpoint/2010/main" val="3886156355"/>
-      </p:ext>
-    </p:extLst>
-  </p:cSld>
-  <p:clrMapOvr>
-    <a:masterClrMapping/>
-  </p:clrMapOvr>
-</p:sld>
-</file>
-
-<file path=ppt/slides/slide6.xml><?xml version="1.0" encoding="utf-8"?>
-<p:sld xmlns:a="http://schemas.openxmlformats.org/drawingml/2006/main" xmlns:r="http://schemas.openxmlformats.org/officeDocument/2006/relationships" xmlns:p="http://schemas.openxmlformats.org/presentationml/2006/main">
-  <p:cSld>
-    <p:spTree>
-      <p:nvGrpSpPr>
-        <p:cNvPr id="1" name=""/>
-        <p:cNvGrpSpPr/>
-        <p:nvPr/>
-      </p:nvGrpSpPr>
-      <p:grpSpPr>
-        <a:xfrm>
-          <a:off x="0" y="0"/>
-          <a:ext cx="0" cy="0"/>
-          <a:chOff x="0" y="0"/>
-          <a:chExt cx="0" cy="0"/>
-        </a:xfrm>
-      </p:grpSpPr>
-      <p:sp>
-        <p:nvSpPr>
-          <p:cNvPr id="2" name="Title 1">
-            <a:extLst>
-              <a:ext uri="{FF2B5EF4-FFF2-40B4-BE49-F238E27FC236}">
-                <a16:creationId xmlns:a16="http://schemas.microsoft.com/office/drawing/2014/main" id="{D7BE496E-1A59-4436-A731-CAFA2388D1A9}"/>
-              </a:ext>
-            </a:extLst>
-          </p:cNvPr>
-          <p:cNvSpPr>
-            <a:spLocks noGrp="1"/>
-          </p:cNvSpPr>
-          <p:nvPr>
-            <p:ph type="title"/>
-          </p:nvPr>
-        </p:nvSpPr>
-        <p:spPr/>
-        <p:txBody>
-          <a:bodyPr/>
-          <a:lstStyle/>
-          <a:p>
-            <a:r>
-              <a:rPr lang="en-MY" dirty="0"/>
-              <a:t>Opportunity</a:t>
-            </a:r>
-          </a:p>
-        </p:txBody>
-      </p:sp>
-      <p:sp>
-        <p:nvSpPr>
-          <p:cNvPr id="3" name="Content Placeholder 2">
-            <a:extLst>
-              <a:ext uri="{FF2B5EF4-FFF2-40B4-BE49-F238E27FC236}">
-                <a16:creationId xmlns:a16="http://schemas.microsoft.com/office/drawing/2014/main" id="{CA8DED66-0711-46F6-AC23-CE0D6124075B}"/>
-              </a:ext>
-            </a:extLst>
-          </p:cNvPr>
-          <p:cNvSpPr>
-            <a:spLocks noGrp="1"/>
-          </p:cNvSpPr>
-          <p:nvPr>
-            <p:ph idx="1"/>
-          </p:nvPr>
-        </p:nvSpPr>
-        <p:spPr/>
-        <p:txBody>
-          <a:bodyPr/>
-          <a:lstStyle/>
-          <a:p>
-            <a:r>
-              <a:rPr lang="en-US" dirty="0"/>
-              <a:t>This section answers these questions: What are you actually selling and how are you solving a problem (or “need”) for your market? Who is your target market and competition? </a:t>
-            </a:r>
-          </a:p>
-        </p:txBody>
-      </p:sp>
-    </p:spTree>
-    <p:extLst>
-      <p:ext uri="{BB962C8B-B14F-4D97-AF65-F5344CB8AC3E}">
-        <p14:creationId xmlns:p14="http://schemas.microsoft.com/office/powerpoint/2010/main" val="589647342"/>
-      </p:ext>
-    </p:extLst>
-  </p:cSld>
-  <p:clrMapOvr>
-    <a:masterClrMapping/>
-  </p:clrMapOvr>
-</p:sld>
-</file>
-
-<file path=ppt/slides/slide7.xml><?xml version="1.0" encoding="utf-8"?>
-<p:sld xmlns:a="http://schemas.openxmlformats.org/drawingml/2006/main" xmlns:r="http://schemas.openxmlformats.org/officeDocument/2006/relationships" xmlns:p="http://schemas.openxmlformats.org/presentationml/2006/main">
-  <p:cSld>
-    <p:spTree>
-      <p:nvGrpSpPr>
-        <p:cNvPr id="1" name=""/>
-        <p:cNvGrpSpPr/>
-        <p:nvPr/>
-      </p:nvGrpSpPr>
-      <p:grpSpPr>
-        <a:xfrm>
-          <a:off x="0" y="0"/>
-          <a:ext cx="0" cy="0"/>
-          <a:chOff x="0" y="0"/>
-          <a:chExt cx="0" cy="0"/>
-        </a:xfrm>
-      </p:grpSpPr>
-      <p:sp>
-        <p:nvSpPr>
-          <p:cNvPr id="2" name="Title 1">
-            <a:extLst>
-              <a:ext uri="{FF2B5EF4-FFF2-40B4-BE49-F238E27FC236}">
-                <a16:creationId xmlns:a16="http://schemas.microsoft.com/office/drawing/2014/main" id="{23E67E72-7AF9-45FB-A470-7B463588931E}"/>
-              </a:ext>
-            </a:extLst>
-          </p:cNvPr>
-          <p:cNvSpPr>
-            <a:spLocks noGrp="1"/>
-          </p:cNvSpPr>
-          <p:nvPr>
-            <p:ph type="title"/>
-          </p:nvPr>
-        </p:nvSpPr>
-        <p:spPr/>
-        <p:txBody>
-          <a:bodyPr/>
-          <a:lstStyle/>
-          <a:p>
-            <a:r>
-              <a:rPr lang="en-MY" dirty="0"/>
-              <a:t>Execution</a:t>
-            </a:r>
-          </a:p>
-        </p:txBody>
-      </p:sp>
-      <p:sp>
-        <p:nvSpPr>
-          <p:cNvPr id="3" name="Content Placeholder 2">
-            <a:extLst>
-              <a:ext uri="{FF2B5EF4-FFF2-40B4-BE49-F238E27FC236}">
-                <a16:creationId xmlns:a16="http://schemas.microsoft.com/office/drawing/2014/main" id="{0CA5EE96-200D-48ED-BCCC-D62DEFD8E523}"/>
-              </a:ext>
-            </a:extLst>
-          </p:cNvPr>
-          <p:cNvSpPr>
-            <a:spLocks noGrp="1"/>
-          </p:cNvSpPr>
-          <p:nvPr>
-            <p:ph idx="1"/>
-          </p:nvPr>
-        </p:nvSpPr>
-        <p:spPr/>
-        <p:txBody>
-          <a:bodyPr/>
-          <a:lstStyle/>
-          <a:p>
-            <a:pPr marL="0" indent="0">
-              <a:buNone/>
-            </a:pPr>
-            <a:r>
-              <a:rPr lang="en-US" dirty="0"/>
-              <a:t>How are you going to take your opportunity and turn it into a business? This section will cover your marketing and sales plan, operations, and how you’re going to measure success.</a:t>
-            </a:r>
-            <a:endParaRPr lang="en-MY" dirty="0"/>
-          </a:p>
-        </p:txBody>
-      </p:sp>
-    </p:spTree>
-    <p:extLst>
-      <p:ext uri="{BB962C8B-B14F-4D97-AF65-F5344CB8AC3E}">
-        <p14:creationId xmlns:p14="http://schemas.microsoft.com/office/powerpoint/2010/main" val="2973776277"/>
-      </p:ext>
-    </p:extLst>
-  </p:cSld>
-  <p:clrMapOvr>
-    <a:masterClrMapping/>
-  </p:clrMapOvr>
-</p:sld>
-</file>
-
-<file path=ppt/slides/slide8.xml><?xml version="1.0" encoding="utf-8"?>
-<p:sld xmlns:a="http://schemas.openxmlformats.org/drawingml/2006/main" xmlns:r="http://schemas.openxmlformats.org/officeDocument/2006/relationships" xmlns:p="http://schemas.openxmlformats.org/presentationml/2006/main">
-  <p:cSld>
-    <p:spTree>
-      <p:nvGrpSpPr>
-        <p:cNvPr id="1" name=""/>
-        <p:cNvGrpSpPr/>
-        <p:nvPr/>
-      </p:nvGrpSpPr>
-      <p:grpSpPr>
-        <a:xfrm>
-          <a:off x="0" y="0"/>
-          <a:ext cx="0" cy="0"/>
-          <a:chOff x="0" y="0"/>
-          <a:chExt cx="0" cy="0"/>
-        </a:xfrm>
-      </p:grpSpPr>
-      <p:sp>
-        <p:nvSpPr>
-          <p:cNvPr id="2" name="Title 1">
-            <a:extLst>
-              <a:ext uri="{FF2B5EF4-FFF2-40B4-BE49-F238E27FC236}">
-                <a16:creationId xmlns:a16="http://schemas.microsoft.com/office/drawing/2014/main" id="{C8EB8826-6CE3-4EC7-B645-A61CAB49226E}"/>
-              </a:ext>
-            </a:extLst>
-          </p:cNvPr>
-          <p:cNvSpPr>
-            <a:spLocks noGrp="1"/>
-          </p:cNvSpPr>
-          <p:nvPr>
-            <p:ph type="title"/>
-          </p:nvPr>
-        </p:nvSpPr>
-        <p:spPr/>
-        <p:txBody>
-          <a:bodyPr/>
-          <a:lstStyle/>
-          <a:p>
-            <a:r>
-              <a:rPr lang="en-MY" dirty="0"/>
-              <a:t>Financial plan</a:t>
-            </a:r>
-          </a:p>
-        </p:txBody>
-      </p:sp>
-      <p:sp>
-        <p:nvSpPr>
-          <p:cNvPr id="3" name="Content Placeholder 2">
-            <a:extLst>
-              <a:ext uri="{FF2B5EF4-FFF2-40B4-BE49-F238E27FC236}">
-                <a16:creationId xmlns:a16="http://schemas.microsoft.com/office/drawing/2014/main" id="{71C42F28-A21D-4390-90D7-717247FEA797}"/>
-              </a:ext>
-            </a:extLst>
-          </p:cNvPr>
-          <p:cNvSpPr>
-            <a:spLocks noGrp="1"/>
-          </p:cNvSpPr>
-          <p:nvPr>
-            <p:ph idx="1"/>
-          </p:nvPr>
-        </p:nvSpPr>
-        <p:spPr/>
-        <p:txBody>
-          <a:bodyPr/>
-          <a:lstStyle/>
-          <a:p>
-            <a:endParaRPr lang="en-MY" dirty="0"/>
-          </a:p>
-        </p:txBody>
-      </p:sp>
-    </p:spTree>
-    <p:extLst>
-      <p:ext uri="{BB962C8B-B14F-4D97-AF65-F5344CB8AC3E}">
-        <p14:creationId xmlns:p14="http://schemas.microsoft.com/office/powerpoint/2010/main" val="1643544967"/>
-      </p:ext>
-    </p:extLst>
-  </p:cSld>
-  <p:clrMapOvr>
-    <a:masterClrMapping/>
-  </p:clrMapOvr>
-</p:sld>
-</file>
-
-<file path=ppt/slides/slide9.xml><?xml version="1.0" encoding="utf-8"?>
-<p:sld xmlns:a="http://schemas.openxmlformats.org/drawingml/2006/main" xmlns:r="http://schemas.openxmlformats.org/officeDocument/2006/relationships" xmlns:p="http://schemas.openxmlformats.org/presentationml/2006/main">
-  <p:cSld>
-    <p:spTree>
-      <p:nvGrpSpPr>
-        <p:cNvPr id="1" name=""/>
-        <p:cNvGrpSpPr/>
-        <p:nvPr/>
-      </p:nvGrpSpPr>
-      <p:grpSpPr>
-        <a:xfrm>
-          <a:off x="0" y="0"/>
-          <a:ext cx="0" cy="0"/>
-          <a:chOff x="0" y="0"/>
-          <a:chExt cx="0" cy="0"/>
-        </a:xfrm>
-      </p:grpSpPr>
-      <p:sp>
-        <p:nvSpPr>
-          <p:cNvPr id="2" name="Title 1">
-            <a:extLst>
-              <a:ext uri="{FF2B5EF4-FFF2-40B4-BE49-F238E27FC236}">
                 <a16:creationId xmlns:a16="http://schemas.microsoft.com/office/drawing/2014/main" id="{3AFA084C-7C11-407B-A8C3-4C87CEB6AB2B}"/>
               </a:ext>
             </a:extLst>
@@ -4787,7 +4918,7 @@
           <a:p>
             <a:r>
               <a:rPr lang="en-MY" dirty="0"/>
-              <a:t>Profitability Model of Landlord </a:t>
+              <a:t>Profitability Model of Shop Owner Collective</a:t>
             </a:r>
           </a:p>
         </p:txBody>
@@ -5001,7 +5132,7 @@
         <p:spPr>
           <a:xfrm>
             <a:off x="48096" y="3675448"/>
-            <a:ext cx="3593400" cy="2236832"/>
+            <a:ext cx="3593400" cy="369332"/>
           </a:xfrm>
           <a:prstGeom prst="rect">
             <a:avLst/>
@@ -5020,46 +5151,6 @@
               <a:t>Average Sales Price</a:t>
             </a:r>
           </a:p>
-          <a:p>
-            <a:pPr marL="285750" indent="-285750">
-              <a:buFont typeface="Arial" panose="020B0604020202020204" pitchFamily="34" charset="0"/>
-              <a:buChar char="•"/>
-            </a:pPr>
-            <a:r>
-              <a:rPr lang="en-MY" dirty="0"/>
-              <a:t>Rent</a:t>
-            </a:r>
-          </a:p>
-          <a:p>
-            <a:pPr marL="285750" indent="-285750">
-              <a:buFont typeface="Arial" panose="020B0604020202020204" pitchFamily="34" charset="0"/>
-              <a:buChar char="•"/>
-            </a:pPr>
-            <a:r>
-              <a:rPr lang="en-MY" dirty="0"/>
-              <a:t>Rent </a:t>
-            </a:r>
-            <a:r>
-              <a:rPr lang="ja-JP" altLang="en-US" dirty="0"/>
-              <a:t>↑ </a:t>
-            </a:r>
-            <a:br>
-              <a:rPr lang="en-MY" altLang="ja-JP" dirty="0"/>
-            </a:br>
-            <a:r>
-              <a:rPr lang="en-MY" altLang="ja-JP" dirty="0"/>
-              <a:t>occupancy rate</a:t>
-            </a:r>
-            <a:r>
-              <a:rPr lang="ja-JP" altLang="en-US" dirty="0"/>
-              <a:t> ↓</a:t>
-            </a:r>
-            <a:endParaRPr lang="en-MY" dirty="0"/>
-          </a:p>
-          <a:p>
-            <a:pPr algn="ctr"/>
-            <a:endParaRPr lang="en-MY" dirty="0"/>
-          </a:p>
         </p:txBody>
       </p:sp>
       <p:sp>
@@ -5077,7 +5168,7 @@
         <p:spPr>
           <a:xfrm>
             <a:off x="3408640" y="3688802"/>
-            <a:ext cx="2378441" cy="1477328"/>
+            <a:ext cx="2378441" cy="369332"/>
           </a:xfrm>
           <a:prstGeom prst="rect">
             <a:avLst/>
@@ -5094,31 +5185,6 @@
               <a:rPr lang="en-MY" dirty="0"/>
               <a:t>Volume</a:t>
             </a:r>
-          </a:p>
-          <a:p>
-            <a:pPr marL="285750" indent="-285750">
-              <a:buFont typeface="Arial" panose="020B0604020202020204" pitchFamily="34" charset="0"/>
-              <a:buChar char="•"/>
-            </a:pPr>
-            <a:r>
-              <a:rPr lang="en-MY" altLang="ja-JP" dirty="0"/>
-              <a:t>Occupancy rate</a:t>
-            </a:r>
-            <a:r>
-              <a:rPr lang="ja-JP" altLang="en-US" dirty="0"/>
-              <a:t> </a:t>
-            </a:r>
-            <a:endParaRPr lang="en-MY" altLang="ja-JP" dirty="0"/>
-          </a:p>
-          <a:p>
-            <a:r>
-              <a:rPr lang="en-MY" dirty="0"/>
-              <a:t>     ( Occupied outlets/ Available outlets )</a:t>
-            </a:r>
-          </a:p>
-          <a:p>
-            <a:pPr algn="ctr"/>
-            <a:endParaRPr lang="en-MY" dirty="0"/>
           </a:p>
         </p:txBody>
       </p:sp>
@@ -5462,8 +5528,8 @@
         </p:nvSpPr>
         <p:spPr>
           <a:xfrm>
-            <a:off x="6809123" y="4796798"/>
-            <a:ext cx="2338501" cy="646331"/>
+            <a:off x="6852481" y="4058134"/>
+            <a:ext cx="4243411" cy="369332"/>
           </a:xfrm>
           <a:prstGeom prst="rect">
             <a:avLst/>
@@ -5478,23 +5544,17 @@
           <a:p>
             <a:r>
               <a:rPr lang="en-MY" dirty="0"/>
-              <a:t>Fixed Cost</a:t>
-            </a:r>
-          </a:p>
-          <a:p>
-            <a:r>
-              <a:rPr lang="en-MY" dirty="0"/>
-              <a:t>- Maintenance Cost</a:t>
-            </a:r>
-          </a:p>
-        </p:txBody>
-      </p:sp>
-      <p:sp>
-        <p:nvSpPr>
-          <p:cNvPr id="69" name="TextBox 68">
-            <a:extLst>
-              <a:ext uri="{FF2B5EF4-FFF2-40B4-BE49-F238E27FC236}">
-                <a16:creationId xmlns:a16="http://schemas.microsoft.com/office/drawing/2014/main" id="{3DC72B7E-5E0A-4EE7-A0FD-EA5936FEAB1E}"/>
+              <a:t>Dependent on businesses’ business model</a:t>
+            </a:r>
+          </a:p>
+        </p:txBody>
+      </p:sp>
+      <p:sp>
+        <p:nvSpPr>
+          <p:cNvPr id="20" name="TextBox 19">
+            <a:extLst>
+              <a:ext uri="{FF2B5EF4-FFF2-40B4-BE49-F238E27FC236}">
+                <a16:creationId xmlns:a16="http://schemas.microsoft.com/office/drawing/2014/main" id="{140D6332-7574-4D07-B39B-589F754CAE33}"/>
               </a:ext>
             </a:extLst>
           </p:cNvPr>
@@ -5503,8 +5563,8 @@
         </p:nvSpPr>
         <p:spPr>
           <a:xfrm>
-            <a:off x="9334843" y="4796798"/>
-            <a:ext cx="2200665" cy="646331"/>
+            <a:off x="692950" y="4031426"/>
+            <a:ext cx="2303692" cy="1200329"/>
           </a:xfrm>
           <a:prstGeom prst="rect">
             <a:avLst/>
@@ -5517,109 +5577,964 @@
           </a:bodyPr>
           <a:lstStyle/>
           <a:p>
+            <a:pPr marL="285750" indent="-285750">
+              <a:buFontTx/>
+              <a:buChar char="-"/>
+            </a:pPr>
             <a:r>
               <a:rPr lang="en-MY" dirty="0"/>
-              <a:t>Variable Cost</a:t>
-            </a:r>
-          </a:p>
-          <a:p>
+              <a:t>Bundling</a:t>
+            </a:r>
+          </a:p>
+          <a:p>
+            <a:pPr marL="285750" indent="-285750">
+              <a:buFontTx/>
+              <a:buChar char="-"/>
+            </a:pPr>
             <a:r>
               <a:rPr lang="en-MY" dirty="0"/>
-              <a:t>- Utilities</a:t>
-            </a:r>
-          </a:p>
-        </p:txBody>
-      </p:sp>
-      <p:cxnSp>
-        <p:nvCxnSpPr>
-          <p:cNvPr id="71" name="Straight Arrow Connector 70">
-            <a:extLst>
-              <a:ext uri="{FF2B5EF4-FFF2-40B4-BE49-F238E27FC236}">
-                <a16:creationId xmlns:a16="http://schemas.microsoft.com/office/drawing/2014/main" id="{BF0CF123-7242-46FE-B8CB-B8A91CFD4C2F}"/>
-              </a:ext>
-            </a:extLst>
-          </p:cNvPr>
-          <p:cNvCxnSpPr>
-            <a:cxnSpLocks/>
-            <a:stCxn id="35" idx="2"/>
-            <a:endCxn id="68" idx="0"/>
-          </p:cNvCxnSpPr>
+              <a:t>Promotions</a:t>
+            </a:r>
+          </a:p>
+          <a:p>
+            <a:pPr marL="285750" indent="-285750">
+              <a:buFontTx/>
+              <a:buChar char="-"/>
+            </a:pPr>
+            <a:r>
+              <a:rPr lang="en-MY" dirty="0"/>
+              <a:t>Point Rewards System</a:t>
+            </a:r>
+          </a:p>
+        </p:txBody>
+      </p:sp>
+      <p:sp>
+        <p:nvSpPr>
+          <p:cNvPr id="21" name="TextBox 20">
+            <a:extLst>
+              <a:ext uri="{FF2B5EF4-FFF2-40B4-BE49-F238E27FC236}">
+                <a16:creationId xmlns:a16="http://schemas.microsoft.com/office/drawing/2014/main" id="{9C51C03A-F976-4C0A-95E8-404DA80F3B00}"/>
+              </a:ext>
+            </a:extLst>
+          </p:cNvPr>
+          <p:cNvSpPr txBox="1"/>
           <p:nvPr/>
-        </p:nvCxnSpPr>
+        </p:nvSpPr>
         <p:spPr>
           <a:xfrm>
-            <a:off x="7946953" y="4044780"/>
-            <a:ext cx="31421" cy="752018"/>
+            <a:off x="3435665" y="4044780"/>
+            <a:ext cx="2532823" cy="2585323"/>
           </a:xfrm>
-          <a:prstGeom prst="straightConnector1">
+          <a:prstGeom prst="rect">
             <a:avLst/>
           </a:prstGeom>
-          <a:ln>
-            <a:tailEnd type="triangle"/>
-          </a:ln>
+          <a:noFill/>
         </p:spPr>
-        <p:style>
-          <a:lnRef idx="1">
-            <a:schemeClr val="accent1"/>
-          </a:lnRef>
-          <a:fillRef idx="0">
-            <a:schemeClr val="accent1"/>
-          </a:fillRef>
-          <a:effectRef idx="0">
-            <a:schemeClr val="accent1"/>
-          </a:effectRef>
-          <a:fontRef idx="minor">
-            <a:schemeClr val="tx1"/>
-          </a:fontRef>
-        </p:style>
-      </p:cxnSp>
-      <p:cxnSp>
-        <p:nvCxnSpPr>
-          <p:cNvPr id="74" name="Straight Arrow Connector 73">
-            <a:extLst>
-              <a:ext uri="{FF2B5EF4-FFF2-40B4-BE49-F238E27FC236}">
-                <a16:creationId xmlns:a16="http://schemas.microsoft.com/office/drawing/2014/main" id="{07C79BB3-AE44-4A7E-9840-C67E4F6AC8F8}"/>
-              </a:ext>
-            </a:extLst>
-          </p:cNvPr>
-          <p:cNvCxnSpPr>
-            <a:cxnSpLocks/>
-            <a:stCxn id="35" idx="2"/>
-            <a:endCxn id="69" idx="0"/>
-          </p:cNvCxnSpPr>
-          <p:nvPr/>
-        </p:nvCxnSpPr>
-        <p:spPr>
-          <a:xfrm>
-            <a:off x="7946953" y="4044780"/>
-            <a:ext cx="2488223" cy="752018"/>
-          </a:xfrm>
-          <a:prstGeom prst="straightConnector1">
-            <a:avLst/>
-          </a:prstGeom>
-          <a:ln>
-            <a:tailEnd type="triangle"/>
-          </a:ln>
-        </p:spPr>
-        <p:style>
-          <a:lnRef idx="1">
-            <a:schemeClr val="accent1"/>
-          </a:lnRef>
-          <a:fillRef idx="0">
-            <a:schemeClr val="accent1"/>
-          </a:fillRef>
-          <a:effectRef idx="0">
-            <a:schemeClr val="accent1"/>
-          </a:effectRef>
-          <a:fontRef idx="minor">
-            <a:schemeClr val="tx1"/>
-          </a:fontRef>
-        </p:style>
-      </p:cxnSp>
+        <p:txBody>
+          <a:bodyPr wrap="square" rtlCol="0">
+            <a:spAutoFit/>
+          </a:bodyPr>
+          <a:lstStyle/>
+          <a:p>
+            <a:pPr marL="285750" indent="-285750">
+              <a:buFontTx/>
+              <a:buChar char="-"/>
+            </a:pPr>
+            <a:r>
+              <a:rPr lang="en-MY" dirty="0"/>
+              <a:t>Foot Traffic</a:t>
+            </a:r>
+          </a:p>
+          <a:p>
+            <a:pPr marL="742950" lvl="1" indent="-285750">
+              <a:buFontTx/>
+              <a:buChar char="-"/>
+            </a:pPr>
+            <a:r>
+              <a:rPr lang="en-MY" dirty="0"/>
+              <a:t>Customer UX</a:t>
+            </a:r>
+          </a:p>
+          <a:p>
+            <a:pPr marL="1200150" lvl="2" indent="-285750">
+              <a:buFontTx/>
+              <a:buChar char="-"/>
+            </a:pPr>
+            <a:r>
+              <a:rPr lang="en-MY" dirty="0"/>
+              <a:t>Store Locator</a:t>
+            </a:r>
+          </a:p>
+          <a:p>
+            <a:pPr marL="1200150" lvl="2" indent="-285750">
+              <a:buFontTx/>
+              <a:buChar char="-"/>
+            </a:pPr>
+            <a:r>
+              <a:rPr lang="en-MY" dirty="0"/>
+              <a:t>Parking</a:t>
+            </a:r>
+          </a:p>
+          <a:p>
+            <a:pPr marL="1200150" lvl="2" indent="-285750">
+              <a:buFontTx/>
+              <a:buChar char="-"/>
+            </a:pPr>
+            <a:r>
+              <a:rPr lang="en-MY" dirty="0" err="1"/>
+              <a:t>Auxillary</a:t>
+            </a:r>
+            <a:r>
+              <a:rPr lang="en-MY" dirty="0"/>
+              <a:t> Services</a:t>
+            </a:r>
+          </a:p>
+          <a:p>
+            <a:pPr marL="742950" lvl="1" indent="-285750">
+              <a:buFontTx/>
+              <a:buChar char="-"/>
+            </a:pPr>
+            <a:r>
+              <a:rPr lang="en-MY" dirty="0"/>
+              <a:t>Events</a:t>
+            </a:r>
+          </a:p>
+          <a:p>
+            <a:pPr marL="742950" lvl="1" indent="-285750">
+              <a:buFontTx/>
+              <a:buChar char="-"/>
+            </a:pPr>
+            <a:r>
+              <a:rPr lang="en-MY" dirty="0"/>
+              <a:t>Branding</a:t>
+            </a:r>
+          </a:p>
+        </p:txBody>
+      </p:sp>
     </p:spTree>
     <p:extLst>
       <p:ext uri="{BB962C8B-B14F-4D97-AF65-F5344CB8AC3E}">
-        <p14:creationId xmlns:p14="http://schemas.microsoft.com/office/powerpoint/2010/main" val="3092310661"/>
+        <p14:creationId xmlns:p14="http://schemas.microsoft.com/office/powerpoint/2010/main" val="267578266"/>
+      </p:ext>
+    </p:extLst>
+  </p:cSld>
+  <p:clrMapOvr>
+    <a:masterClrMapping/>
+  </p:clrMapOvr>
+</p:sld>
+</file>
+
+<file path=ppt/slides/slide12.xml><?xml version="1.0" encoding="utf-8"?>
+<p:sld xmlns:a="http://schemas.openxmlformats.org/drawingml/2006/main" xmlns:r="http://schemas.openxmlformats.org/officeDocument/2006/relationships" xmlns:p="http://schemas.openxmlformats.org/presentationml/2006/main">
+  <p:cSld>
+    <p:spTree>
+      <p:nvGrpSpPr>
+        <p:cNvPr id="1" name=""/>
+        <p:cNvGrpSpPr/>
+        <p:nvPr/>
+      </p:nvGrpSpPr>
+      <p:grpSpPr>
+        <a:xfrm>
+          <a:off x="0" y="0"/>
+          <a:ext cx="0" cy="0"/>
+          <a:chOff x="0" y="0"/>
+          <a:chExt cx="0" cy="0"/>
+        </a:xfrm>
+      </p:grpSpPr>
+      <p:sp>
+        <p:nvSpPr>
+          <p:cNvPr id="2" name="Title 1">
+            <a:extLst>
+              <a:ext uri="{FF2B5EF4-FFF2-40B4-BE49-F238E27FC236}">
+                <a16:creationId xmlns:a16="http://schemas.microsoft.com/office/drawing/2014/main" id="{32B56487-A801-4962-9E40-D9614C9A0675}"/>
+              </a:ext>
+            </a:extLst>
+          </p:cNvPr>
+          <p:cNvSpPr>
+            <a:spLocks noGrp="1"/>
+          </p:cNvSpPr>
+          <p:nvPr>
+            <p:ph type="title"/>
+          </p:nvPr>
+        </p:nvSpPr>
+        <p:spPr/>
+        <p:txBody>
+          <a:bodyPr/>
+          <a:lstStyle/>
+          <a:p>
+            <a:r>
+              <a:rPr lang="en-MY" dirty="0"/>
+              <a:t>Features</a:t>
+            </a:r>
+          </a:p>
+        </p:txBody>
+      </p:sp>
+      <p:sp>
+        <p:nvSpPr>
+          <p:cNvPr id="3" name="Content Placeholder 2">
+            <a:extLst>
+              <a:ext uri="{FF2B5EF4-FFF2-40B4-BE49-F238E27FC236}">
+                <a16:creationId xmlns:a16="http://schemas.microsoft.com/office/drawing/2014/main" id="{9829EB09-60D7-44BF-AECA-95532404D379}"/>
+              </a:ext>
+            </a:extLst>
+          </p:cNvPr>
+          <p:cNvSpPr>
+            <a:spLocks noGrp="1"/>
+          </p:cNvSpPr>
+          <p:nvPr>
+            <p:ph idx="1"/>
+          </p:nvPr>
+        </p:nvSpPr>
+        <p:spPr/>
+        <p:txBody>
+          <a:bodyPr/>
+          <a:lstStyle/>
+          <a:p>
+            <a:endParaRPr lang="en-MY"/>
+          </a:p>
+        </p:txBody>
+      </p:sp>
+    </p:spTree>
+    <p:extLst>
+      <p:ext uri="{BB962C8B-B14F-4D97-AF65-F5344CB8AC3E}">
+        <p14:creationId xmlns:p14="http://schemas.microsoft.com/office/powerpoint/2010/main" val="1859594646"/>
+      </p:ext>
+    </p:extLst>
+  </p:cSld>
+  <p:clrMapOvr>
+    <a:masterClrMapping/>
+  </p:clrMapOvr>
+</p:sld>
+</file>
+
+<file path=ppt/slides/slide2.xml><?xml version="1.0" encoding="utf-8"?>
+<p:sld xmlns:a="http://schemas.openxmlformats.org/drawingml/2006/main" xmlns:r="http://schemas.openxmlformats.org/officeDocument/2006/relationships" xmlns:p="http://schemas.openxmlformats.org/presentationml/2006/main">
+  <p:cSld>
+    <p:spTree>
+      <p:nvGrpSpPr>
+        <p:cNvPr id="1" name=""/>
+        <p:cNvGrpSpPr/>
+        <p:nvPr/>
+      </p:nvGrpSpPr>
+      <p:grpSpPr>
+        <a:xfrm>
+          <a:off x="0" y="0"/>
+          <a:ext cx="0" cy="0"/>
+          <a:chOff x="0" y="0"/>
+          <a:chExt cx="0" cy="0"/>
+        </a:xfrm>
+      </p:grpSpPr>
+      <p:sp>
+        <p:nvSpPr>
+          <p:cNvPr id="2" name="Title 1">
+            <a:extLst>
+              <a:ext uri="{FF2B5EF4-FFF2-40B4-BE49-F238E27FC236}">
+                <a16:creationId xmlns:a16="http://schemas.microsoft.com/office/drawing/2014/main" id="{836B5DB6-8A11-42FD-A4A1-329C56F1ED10}"/>
+              </a:ext>
+            </a:extLst>
+          </p:cNvPr>
+          <p:cNvSpPr>
+            <a:spLocks noGrp="1"/>
+          </p:cNvSpPr>
+          <p:nvPr>
+            <p:ph type="title"/>
+          </p:nvPr>
+        </p:nvSpPr>
+        <p:spPr/>
+        <p:txBody>
+          <a:bodyPr/>
+          <a:lstStyle/>
+          <a:p>
+            <a:r>
+              <a:rPr lang="en-MY" dirty="0"/>
+              <a:t>Executive Summary</a:t>
+            </a:r>
+          </a:p>
+        </p:txBody>
+      </p:sp>
+      <p:sp>
+        <p:nvSpPr>
+          <p:cNvPr id="3" name="Content Placeholder 2">
+            <a:extLst>
+              <a:ext uri="{FF2B5EF4-FFF2-40B4-BE49-F238E27FC236}">
+                <a16:creationId xmlns:a16="http://schemas.microsoft.com/office/drawing/2014/main" id="{953710CA-84F2-4593-AF61-F35F7D0C9784}"/>
+              </a:ext>
+            </a:extLst>
+          </p:cNvPr>
+          <p:cNvSpPr>
+            <a:spLocks noGrp="1"/>
+          </p:cNvSpPr>
+          <p:nvPr>
+            <p:ph idx="1"/>
+          </p:nvPr>
+        </p:nvSpPr>
+        <p:spPr/>
+        <p:txBody>
+          <a:bodyPr/>
+          <a:lstStyle/>
+          <a:p>
+            <a:pPr marL="0" indent="0">
+              <a:buNone/>
+            </a:pPr>
+            <a:r>
+              <a:rPr lang="en-US" dirty="0"/>
+              <a:t>The executive summary introduces your company, explains what you do, and lays out what you’re looking for from your readers. </a:t>
+            </a:r>
+            <a:endParaRPr lang="en-MY" dirty="0"/>
+          </a:p>
+        </p:txBody>
+      </p:sp>
+    </p:spTree>
+    <p:extLst>
+      <p:ext uri="{BB962C8B-B14F-4D97-AF65-F5344CB8AC3E}">
+        <p14:creationId xmlns:p14="http://schemas.microsoft.com/office/powerpoint/2010/main" val="1957688456"/>
+      </p:ext>
+    </p:extLst>
+  </p:cSld>
+  <p:clrMapOvr>
+    <a:masterClrMapping/>
+  </p:clrMapOvr>
+</p:sld>
+</file>
+
+<file path=ppt/slides/slide3.xml><?xml version="1.0" encoding="utf-8"?>
+<p:sld xmlns:a="http://schemas.openxmlformats.org/drawingml/2006/main" xmlns:r="http://schemas.openxmlformats.org/officeDocument/2006/relationships" xmlns:p="http://schemas.openxmlformats.org/presentationml/2006/main">
+  <p:cSld>
+    <p:spTree>
+      <p:nvGrpSpPr>
+        <p:cNvPr id="1" name=""/>
+        <p:cNvGrpSpPr/>
+        <p:nvPr/>
+      </p:nvGrpSpPr>
+      <p:grpSpPr>
+        <a:xfrm>
+          <a:off x="0" y="0"/>
+          <a:ext cx="0" cy="0"/>
+          <a:chOff x="0" y="0"/>
+          <a:chExt cx="0" cy="0"/>
+        </a:xfrm>
+      </p:grpSpPr>
+      <p:sp>
+        <p:nvSpPr>
+          <p:cNvPr id="2" name="Title 1">
+            <a:extLst>
+              <a:ext uri="{FF2B5EF4-FFF2-40B4-BE49-F238E27FC236}">
+                <a16:creationId xmlns:a16="http://schemas.microsoft.com/office/drawing/2014/main" id="{581E3DA8-5CAE-4F9A-8BFC-EF6A72FCD619}"/>
+              </a:ext>
+            </a:extLst>
+          </p:cNvPr>
+          <p:cNvSpPr>
+            <a:spLocks noGrp="1"/>
+          </p:cNvSpPr>
+          <p:nvPr>
+            <p:ph type="title"/>
+          </p:nvPr>
+        </p:nvSpPr>
+        <p:spPr/>
+        <p:txBody>
+          <a:bodyPr/>
+          <a:lstStyle/>
+          <a:p>
+            <a:endParaRPr lang="en-MY"/>
+          </a:p>
+        </p:txBody>
+      </p:sp>
+      <p:sp>
+        <p:nvSpPr>
+          <p:cNvPr id="3" name="Content Placeholder 2">
+            <a:extLst>
+              <a:ext uri="{FF2B5EF4-FFF2-40B4-BE49-F238E27FC236}">
+                <a16:creationId xmlns:a16="http://schemas.microsoft.com/office/drawing/2014/main" id="{7CA3ED54-52D7-4D9E-A8E9-03A1E6B91AFA}"/>
+              </a:ext>
+            </a:extLst>
+          </p:cNvPr>
+          <p:cNvSpPr>
+            <a:spLocks noGrp="1"/>
+          </p:cNvSpPr>
+          <p:nvPr>
+            <p:ph idx="1"/>
+          </p:nvPr>
+        </p:nvSpPr>
+        <p:spPr/>
+        <p:txBody>
+          <a:bodyPr/>
+          <a:lstStyle/>
+          <a:p>
+            <a:r>
+              <a:rPr lang="en-MY" dirty="0"/>
+              <a:t>Problem</a:t>
+            </a:r>
+          </a:p>
+          <a:p>
+            <a:r>
+              <a:rPr lang="en-MY" dirty="0"/>
+              <a:t>Solution</a:t>
+            </a:r>
+          </a:p>
+          <a:p>
+            <a:r>
+              <a:rPr lang="en-MY" dirty="0"/>
+              <a:t>Target market</a:t>
+            </a:r>
+          </a:p>
+          <a:p>
+            <a:r>
+              <a:rPr lang="en-MY" dirty="0"/>
+              <a:t>Competition</a:t>
+            </a:r>
+          </a:p>
+        </p:txBody>
+      </p:sp>
+    </p:spTree>
+    <p:extLst>
+      <p:ext uri="{BB962C8B-B14F-4D97-AF65-F5344CB8AC3E}">
+        <p14:creationId xmlns:p14="http://schemas.microsoft.com/office/powerpoint/2010/main" val="1571279623"/>
+      </p:ext>
+    </p:extLst>
+  </p:cSld>
+  <p:clrMapOvr>
+    <a:masterClrMapping/>
+  </p:clrMapOvr>
+</p:sld>
+</file>
+
+<file path=ppt/slides/slide4.xml><?xml version="1.0" encoding="utf-8"?>
+<p:sld xmlns:a="http://schemas.openxmlformats.org/drawingml/2006/main" xmlns:r="http://schemas.openxmlformats.org/officeDocument/2006/relationships" xmlns:p="http://schemas.openxmlformats.org/presentationml/2006/main">
+  <p:cSld>
+    <p:spTree>
+      <p:nvGrpSpPr>
+        <p:cNvPr id="1" name=""/>
+        <p:cNvGrpSpPr/>
+        <p:nvPr/>
+      </p:nvGrpSpPr>
+      <p:grpSpPr>
+        <a:xfrm>
+          <a:off x="0" y="0"/>
+          <a:ext cx="0" cy="0"/>
+          <a:chOff x="0" y="0"/>
+          <a:chExt cx="0" cy="0"/>
+        </a:xfrm>
+      </p:grpSpPr>
+      <p:sp>
+        <p:nvSpPr>
+          <p:cNvPr id="2" name="Title 1">
+            <a:extLst>
+              <a:ext uri="{FF2B5EF4-FFF2-40B4-BE49-F238E27FC236}">
+                <a16:creationId xmlns:a16="http://schemas.microsoft.com/office/drawing/2014/main" id="{CA92ADFD-9164-468D-BCE3-31FD25DBE500}"/>
+              </a:ext>
+            </a:extLst>
+          </p:cNvPr>
+          <p:cNvSpPr>
+            <a:spLocks noGrp="1"/>
+          </p:cNvSpPr>
+          <p:nvPr>
+            <p:ph type="title"/>
+          </p:nvPr>
+        </p:nvSpPr>
+        <p:spPr/>
+        <p:txBody>
+          <a:bodyPr/>
+          <a:lstStyle/>
+          <a:p>
+            <a:r>
+              <a:rPr lang="en-MY" dirty="0"/>
+              <a:t>Problem</a:t>
+            </a:r>
+          </a:p>
+        </p:txBody>
+      </p:sp>
+      <p:sp>
+        <p:nvSpPr>
+          <p:cNvPr id="3" name="Content Placeholder 2">
+            <a:extLst>
+              <a:ext uri="{FF2B5EF4-FFF2-40B4-BE49-F238E27FC236}">
+                <a16:creationId xmlns:a16="http://schemas.microsoft.com/office/drawing/2014/main" id="{DCC1B3A1-2652-490E-9482-A0FD30546EE5}"/>
+              </a:ext>
+            </a:extLst>
+          </p:cNvPr>
+          <p:cNvSpPr>
+            <a:spLocks noGrp="1"/>
+          </p:cNvSpPr>
+          <p:nvPr>
+            <p:ph idx="1"/>
+          </p:nvPr>
+        </p:nvSpPr>
+        <p:spPr/>
+        <p:txBody>
+          <a:bodyPr/>
+          <a:lstStyle/>
+          <a:p>
+            <a:r>
+              <a:rPr lang="en-US" dirty="0"/>
+              <a:t>Retail Space Property Owners suffer from loss of tenants and unable to collect rent</a:t>
+            </a:r>
+          </a:p>
+          <a:p>
+            <a:r>
+              <a:rPr lang="en-US" dirty="0"/>
+              <a:t>Shop Owners suffer from profitability loss because customers are moving to online shopping and E-commerce</a:t>
+            </a:r>
+            <a:endParaRPr lang="en-MY" dirty="0"/>
+          </a:p>
+          <a:p>
+            <a:endParaRPr lang="en-MY" dirty="0"/>
+          </a:p>
+        </p:txBody>
+      </p:sp>
+    </p:spTree>
+    <p:extLst>
+      <p:ext uri="{BB962C8B-B14F-4D97-AF65-F5344CB8AC3E}">
+        <p14:creationId xmlns:p14="http://schemas.microsoft.com/office/powerpoint/2010/main" val="1160152449"/>
+      </p:ext>
+    </p:extLst>
+  </p:cSld>
+  <p:clrMapOvr>
+    <a:masterClrMapping/>
+  </p:clrMapOvr>
+</p:sld>
+</file>
+
+<file path=ppt/slides/slide5.xml><?xml version="1.0" encoding="utf-8"?>
+<p:sld xmlns:a="http://schemas.openxmlformats.org/drawingml/2006/main" xmlns:r="http://schemas.openxmlformats.org/officeDocument/2006/relationships" xmlns:p="http://schemas.openxmlformats.org/presentationml/2006/main">
+  <p:cSld>
+    <p:spTree>
+      <p:nvGrpSpPr>
+        <p:cNvPr id="1" name=""/>
+        <p:cNvGrpSpPr/>
+        <p:nvPr/>
+      </p:nvGrpSpPr>
+      <p:grpSpPr>
+        <a:xfrm>
+          <a:off x="0" y="0"/>
+          <a:ext cx="0" cy="0"/>
+          <a:chOff x="0" y="0"/>
+          <a:chExt cx="0" cy="0"/>
+        </a:xfrm>
+      </p:grpSpPr>
+      <p:sp>
+        <p:nvSpPr>
+          <p:cNvPr id="2" name="Title 1">
+            <a:extLst>
+              <a:ext uri="{FF2B5EF4-FFF2-40B4-BE49-F238E27FC236}">
+                <a16:creationId xmlns:a16="http://schemas.microsoft.com/office/drawing/2014/main" id="{8848C839-FA31-44C8-9F6B-14469B59D694}"/>
+              </a:ext>
+            </a:extLst>
+          </p:cNvPr>
+          <p:cNvSpPr>
+            <a:spLocks noGrp="1"/>
+          </p:cNvSpPr>
+          <p:nvPr>
+            <p:ph type="title"/>
+          </p:nvPr>
+        </p:nvSpPr>
+        <p:spPr/>
+        <p:txBody>
+          <a:bodyPr/>
+          <a:lstStyle/>
+          <a:p>
+            <a:endParaRPr lang="en-MY"/>
+          </a:p>
+        </p:txBody>
+      </p:sp>
+      <p:sp>
+        <p:nvSpPr>
+          <p:cNvPr id="3" name="Content Placeholder 2">
+            <a:extLst>
+              <a:ext uri="{FF2B5EF4-FFF2-40B4-BE49-F238E27FC236}">
+                <a16:creationId xmlns:a16="http://schemas.microsoft.com/office/drawing/2014/main" id="{D12D8367-18E9-45DD-BB5A-3EEE1D311920}"/>
+              </a:ext>
+            </a:extLst>
+          </p:cNvPr>
+          <p:cNvSpPr>
+            <a:spLocks noGrp="1"/>
+          </p:cNvSpPr>
+          <p:nvPr>
+            <p:ph idx="1"/>
+          </p:nvPr>
+        </p:nvSpPr>
+        <p:spPr/>
+        <p:txBody>
+          <a:bodyPr/>
+          <a:lstStyle/>
+          <a:p>
+            <a:endParaRPr lang="en-MY"/>
+          </a:p>
+        </p:txBody>
+      </p:sp>
+    </p:spTree>
+    <p:extLst>
+      <p:ext uri="{BB962C8B-B14F-4D97-AF65-F5344CB8AC3E}">
+        <p14:creationId xmlns:p14="http://schemas.microsoft.com/office/powerpoint/2010/main" val="3886156355"/>
+      </p:ext>
+    </p:extLst>
+  </p:cSld>
+  <p:clrMapOvr>
+    <a:masterClrMapping/>
+  </p:clrMapOvr>
+</p:sld>
+</file>
+
+<file path=ppt/slides/slide6.xml><?xml version="1.0" encoding="utf-8"?>
+<p:sld xmlns:a="http://schemas.openxmlformats.org/drawingml/2006/main" xmlns:r="http://schemas.openxmlformats.org/officeDocument/2006/relationships" xmlns:p="http://schemas.openxmlformats.org/presentationml/2006/main">
+  <p:cSld>
+    <p:spTree>
+      <p:nvGrpSpPr>
+        <p:cNvPr id="1" name=""/>
+        <p:cNvGrpSpPr/>
+        <p:nvPr/>
+      </p:nvGrpSpPr>
+      <p:grpSpPr>
+        <a:xfrm>
+          <a:off x="0" y="0"/>
+          <a:ext cx="0" cy="0"/>
+          <a:chOff x="0" y="0"/>
+          <a:chExt cx="0" cy="0"/>
+        </a:xfrm>
+      </p:grpSpPr>
+      <p:sp>
+        <p:nvSpPr>
+          <p:cNvPr id="2" name="Title 1">
+            <a:extLst>
+              <a:ext uri="{FF2B5EF4-FFF2-40B4-BE49-F238E27FC236}">
+                <a16:creationId xmlns:a16="http://schemas.microsoft.com/office/drawing/2014/main" id="{D7BE496E-1A59-4436-A731-CAFA2388D1A9}"/>
+              </a:ext>
+            </a:extLst>
+          </p:cNvPr>
+          <p:cNvSpPr>
+            <a:spLocks noGrp="1"/>
+          </p:cNvSpPr>
+          <p:nvPr>
+            <p:ph type="title"/>
+          </p:nvPr>
+        </p:nvSpPr>
+        <p:spPr/>
+        <p:txBody>
+          <a:bodyPr/>
+          <a:lstStyle/>
+          <a:p>
+            <a:r>
+              <a:rPr lang="en-MY" dirty="0"/>
+              <a:t>Opportunity</a:t>
+            </a:r>
+          </a:p>
+        </p:txBody>
+      </p:sp>
+      <p:sp>
+        <p:nvSpPr>
+          <p:cNvPr id="3" name="Content Placeholder 2">
+            <a:extLst>
+              <a:ext uri="{FF2B5EF4-FFF2-40B4-BE49-F238E27FC236}">
+                <a16:creationId xmlns:a16="http://schemas.microsoft.com/office/drawing/2014/main" id="{CA8DED66-0711-46F6-AC23-CE0D6124075B}"/>
+              </a:ext>
+            </a:extLst>
+          </p:cNvPr>
+          <p:cNvSpPr>
+            <a:spLocks noGrp="1"/>
+          </p:cNvSpPr>
+          <p:nvPr>
+            <p:ph idx="1"/>
+          </p:nvPr>
+        </p:nvSpPr>
+        <p:spPr/>
+        <p:txBody>
+          <a:bodyPr/>
+          <a:lstStyle/>
+          <a:p>
+            <a:r>
+              <a:rPr lang="en-US" dirty="0"/>
+              <a:t>This section answers these questions: What are you actually selling and how are you solving a problem (or “need”) for your market? Who is your target market and competition? </a:t>
+            </a:r>
+          </a:p>
+        </p:txBody>
+      </p:sp>
+    </p:spTree>
+    <p:extLst>
+      <p:ext uri="{BB962C8B-B14F-4D97-AF65-F5344CB8AC3E}">
+        <p14:creationId xmlns:p14="http://schemas.microsoft.com/office/powerpoint/2010/main" val="589647342"/>
+      </p:ext>
+    </p:extLst>
+  </p:cSld>
+  <p:clrMapOvr>
+    <a:masterClrMapping/>
+  </p:clrMapOvr>
+</p:sld>
+</file>
+
+<file path=ppt/slides/slide7.xml><?xml version="1.0" encoding="utf-8"?>
+<p:sld xmlns:a="http://schemas.openxmlformats.org/drawingml/2006/main" xmlns:r="http://schemas.openxmlformats.org/officeDocument/2006/relationships" xmlns:p="http://schemas.openxmlformats.org/presentationml/2006/main">
+  <p:cSld>
+    <p:spTree>
+      <p:nvGrpSpPr>
+        <p:cNvPr id="1" name=""/>
+        <p:cNvGrpSpPr/>
+        <p:nvPr/>
+      </p:nvGrpSpPr>
+      <p:grpSpPr>
+        <a:xfrm>
+          <a:off x="0" y="0"/>
+          <a:ext cx="0" cy="0"/>
+          <a:chOff x="0" y="0"/>
+          <a:chExt cx="0" cy="0"/>
+        </a:xfrm>
+      </p:grpSpPr>
+      <p:sp>
+        <p:nvSpPr>
+          <p:cNvPr id="2" name="Title 1">
+            <a:extLst>
+              <a:ext uri="{FF2B5EF4-FFF2-40B4-BE49-F238E27FC236}">
+                <a16:creationId xmlns:a16="http://schemas.microsoft.com/office/drawing/2014/main" id="{23E67E72-7AF9-45FB-A470-7B463588931E}"/>
+              </a:ext>
+            </a:extLst>
+          </p:cNvPr>
+          <p:cNvSpPr>
+            <a:spLocks noGrp="1"/>
+          </p:cNvSpPr>
+          <p:nvPr>
+            <p:ph type="title"/>
+          </p:nvPr>
+        </p:nvSpPr>
+        <p:spPr/>
+        <p:txBody>
+          <a:bodyPr/>
+          <a:lstStyle/>
+          <a:p>
+            <a:r>
+              <a:rPr lang="en-MY" dirty="0"/>
+              <a:t>Execution</a:t>
+            </a:r>
+          </a:p>
+        </p:txBody>
+      </p:sp>
+      <p:sp>
+        <p:nvSpPr>
+          <p:cNvPr id="3" name="Content Placeholder 2">
+            <a:extLst>
+              <a:ext uri="{FF2B5EF4-FFF2-40B4-BE49-F238E27FC236}">
+                <a16:creationId xmlns:a16="http://schemas.microsoft.com/office/drawing/2014/main" id="{0CA5EE96-200D-48ED-BCCC-D62DEFD8E523}"/>
+              </a:ext>
+            </a:extLst>
+          </p:cNvPr>
+          <p:cNvSpPr>
+            <a:spLocks noGrp="1"/>
+          </p:cNvSpPr>
+          <p:nvPr>
+            <p:ph idx="1"/>
+          </p:nvPr>
+        </p:nvSpPr>
+        <p:spPr/>
+        <p:txBody>
+          <a:bodyPr/>
+          <a:lstStyle/>
+          <a:p>
+            <a:pPr marL="0" indent="0">
+              <a:buNone/>
+            </a:pPr>
+            <a:r>
+              <a:rPr lang="en-US" dirty="0"/>
+              <a:t>How are you going to take your opportunity and turn it into a business? This section will cover your marketing and sales plan, operations, and how you’re going to measure success.</a:t>
+            </a:r>
+            <a:endParaRPr lang="en-MY" dirty="0"/>
+          </a:p>
+        </p:txBody>
+      </p:sp>
+    </p:spTree>
+    <p:extLst>
+      <p:ext uri="{BB962C8B-B14F-4D97-AF65-F5344CB8AC3E}">
+        <p14:creationId xmlns:p14="http://schemas.microsoft.com/office/powerpoint/2010/main" val="2973776277"/>
+      </p:ext>
+    </p:extLst>
+  </p:cSld>
+  <p:clrMapOvr>
+    <a:masterClrMapping/>
+  </p:clrMapOvr>
+</p:sld>
+</file>
+
+<file path=ppt/slides/slide8.xml><?xml version="1.0" encoding="utf-8"?>
+<p:sld xmlns:a="http://schemas.openxmlformats.org/drawingml/2006/main" xmlns:r="http://schemas.openxmlformats.org/officeDocument/2006/relationships" xmlns:p="http://schemas.openxmlformats.org/presentationml/2006/main">
+  <p:cSld>
+    <p:spTree>
+      <p:nvGrpSpPr>
+        <p:cNvPr id="1" name=""/>
+        <p:cNvGrpSpPr/>
+        <p:nvPr/>
+      </p:nvGrpSpPr>
+      <p:grpSpPr>
+        <a:xfrm>
+          <a:off x="0" y="0"/>
+          <a:ext cx="0" cy="0"/>
+          <a:chOff x="0" y="0"/>
+          <a:chExt cx="0" cy="0"/>
+        </a:xfrm>
+      </p:grpSpPr>
+      <p:sp>
+        <p:nvSpPr>
+          <p:cNvPr id="2" name="Title 1">
+            <a:extLst>
+              <a:ext uri="{FF2B5EF4-FFF2-40B4-BE49-F238E27FC236}">
+                <a16:creationId xmlns:a16="http://schemas.microsoft.com/office/drawing/2014/main" id="{C8EB8826-6CE3-4EC7-B645-A61CAB49226E}"/>
+              </a:ext>
+            </a:extLst>
+          </p:cNvPr>
+          <p:cNvSpPr>
+            <a:spLocks noGrp="1"/>
+          </p:cNvSpPr>
+          <p:nvPr>
+            <p:ph type="title"/>
+          </p:nvPr>
+        </p:nvSpPr>
+        <p:spPr/>
+        <p:txBody>
+          <a:bodyPr/>
+          <a:lstStyle/>
+          <a:p>
+            <a:r>
+              <a:rPr lang="en-MY" dirty="0"/>
+              <a:t>Financial plan</a:t>
+            </a:r>
+          </a:p>
+        </p:txBody>
+      </p:sp>
+      <p:sp>
+        <p:nvSpPr>
+          <p:cNvPr id="3" name="Content Placeholder 2">
+            <a:extLst>
+              <a:ext uri="{FF2B5EF4-FFF2-40B4-BE49-F238E27FC236}">
+                <a16:creationId xmlns:a16="http://schemas.microsoft.com/office/drawing/2014/main" id="{71C42F28-A21D-4390-90D7-717247FEA797}"/>
+              </a:ext>
+            </a:extLst>
+          </p:cNvPr>
+          <p:cNvSpPr>
+            <a:spLocks noGrp="1"/>
+          </p:cNvSpPr>
+          <p:nvPr>
+            <p:ph idx="1"/>
+          </p:nvPr>
+        </p:nvSpPr>
+        <p:spPr/>
+        <p:txBody>
+          <a:bodyPr/>
+          <a:lstStyle/>
+          <a:p>
+            <a:endParaRPr lang="en-MY" dirty="0"/>
+          </a:p>
+        </p:txBody>
+      </p:sp>
+    </p:spTree>
+    <p:extLst>
+      <p:ext uri="{BB962C8B-B14F-4D97-AF65-F5344CB8AC3E}">
+        <p14:creationId xmlns:p14="http://schemas.microsoft.com/office/powerpoint/2010/main" val="1643544967"/>
+      </p:ext>
+    </p:extLst>
+  </p:cSld>
+  <p:clrMapOvr>
+    <a:masterClrMapping/>
+  </p:clrMapOvr>
+</p:sld>
+</file>
+
+<file path=ppt/slides/slide9.xml><?xml version="1.0" encoding="utf-8"?>
+<p:sld xmlns:a="http://schemas.openxmlformats.org/drawingml/2006/main" xmlns:r="http://schemas.openxmlformats.org/officeDocument/2006/relationships" xmlns:p="http://schemas.openxmlformats.org/presentationml/2006/main">
+  <p:cSld>
+    <p:spTree>
+      <p:nvGrpSpPr>
+        <p:cNvPr id="1" name=""/>
+        <p:cNvGrpSpPr/>
+        <p:nvPr/>
+      </p:nvGrpSpPr>
+      <p:grpSpPr>
+        <a:xfrm>
+          <a:off x="0" y="0"/>
+          <a:ext cx="0" cy="0"/>
+          <a:chOff x="0" y="0"/>
+          <a:chExt cx="0" cy="0"/>
+        </a:xfrm>
+      </p:grpSpPr>
+      <p:sp>
+        <p:nvSpPr>
+          <p:cNvPr id="2" name="Title 1">
+            <a:extLst>
+              <a:ext uri="{FF2B5EF4-FFF2-40B4-BE49-F238E27FC236}">
+                <a16:creationId xmlns:a16="http://schemas.microsoft.com/office/drawing/2014/main" id="{B71C4E1F-AA1F-48CA-B496-B8BCB12C82B8}"/>
+              </a:ext>
+            </a:extLst>
+          </p:cNvPr>
+          <p:cNvSpPr>
+            <a:spLocks noGrp="1"/>
+          </p:cNvSpPr>
+          <p:nvPr>
+            <p:ph type="title"/>
+          </p:nvPr>
+        </p:nvSpPr>
+        <p:spPr/>
+        <p:txBody>
+          <a:bodyPr/>
+          <a:lstStyle/>
+          <a:p>
+            <a:r>
+              <a:rPr lang="en-MY" dirty="0"/>
+              <a:t>Hypothesis</a:t>
+            </a:r>
+          </a:p>
+        </p:txBody>
+      </p:sp>
+      <p:sp>
+        <p:nvSpPr>
+          <p:cNvPr id="3" name="Content Placeholder 2">
+            <a:extLst>
+              <a:ext uri="{FF2B5EF4-FFF2-40B4-BE49-F238E27FC236}">
+                <a16:creationId xmlns:a16="http://schemas.microsoft.com/office/drawing/2014/main" id="{E6962A66-2322-43DF-8378-35FEE3F8889D}"/>
+              </a:ext>
+            </a:extLst>
+          </p:cNvPr>
+          <p:cNvSpPr>
+            <a:spLocks noGrp="1"/>
+          </p:cNvSpPr>
+          <p:nvPr>
+            <p:ph idx="1"/>
+          </p:nvPr>
+        </p:nvSpPr>
+        <p:spPr/>
+        <p:txBody>
+          <a:bodyPr/>
+          <a:lstStyle/>
+          <a:p>
+            <a:r>
+              <a:rPr lang="en-MY" dirty="0"/>
+              <a:t>Profitability problems of shop owners and landlords in the retail space can be solved by increasing the revenue of shop owners </a:t>
+            </a:r>
+            <a:r>
+              <a:rPr lang="en-MY" i="1" dirty="0"/>
+              <a:t>collectively</a:t>
+            </a:r>
+          </a:p>
+          <a:p>
+            <a:endParaRPr lang="en-MY" i="1" dirty="0"/>
+          </a:p>
+          <a:p>
+            <a:pPr marL="0" indent="0">
+              <a:buNone/>
+            </a:pPr>
+            <a:r>
+              <a:rPr lang="en-MY" dirty="0"/>
+              <a:t>Assumptions</a:t>
+            </a:r>
+          </a:p>
+          <a:p>
+            <a:r>
+              <a:rPr lang="en-MY" dirty="0"/>
+              <a:t>Retail space shop owners and landlords are in the shopping mall/commercial hub space</a:t>
+            </a:r>
+          </a:p>
+          <a:p>
+            <a:endParaRPr lang="en-MY" dirty="0"/>
+          </a:p>
+        </p:txBody>
+      </p:sp>
+    </p:spTree>
+    <p:extLst>
+      <p:ext uri="{BB962C8B-B14F-4D97-AF65-F5344CB8AC3E}">
+        <p14:creationId xmlns:p14="http://schemas.microsoft.com/office/powerpoint/2010/main" val="1960683299"/>
       </p:ext>
     </p:extLst>
   </p:cSld>
@@ -5922,4 +6837,299 @@
     </a:ext>
   </a:extLst>
 </a:theme>
+</file>
+
+<file path=ppt/theme/theme2.xml><?xml version="1.0" encoding="utf-8"?>
+<a:theme xmlns:a="http://schemas.openxmlformats.org/drawingml/2006/main" name="Office Theme">
+  <a:themeElements>
+    <a:clrScheme name="Office">
+      <a:dk1>
+        <a:sysClr val="windowText" lastClr="000000"/>
+      </a:dk1>
+      <a:lt1>
+        <a:sysClr val="window" lastClr="FFFFFF"/>
+      </a:lt1>
+      <a:dk2>
+        <a:srgbClr val="44546A"/>
+      </a:dk2>
+      <a:lt2>
+        <a:srgbClr val="E7E6E6"/>
+      </a:lt2>
+      <a:accent1>
+        <a:srgbClr val="4472C4"/>
+      </a:accent1>
+      <a:accent2>
+        <a:srgbClr val="ED7D31"/>
+      </a:accent2>
+      <a:accent3>
+        <a:srgbClr val="A5A5A5"/>
+      </a:accent3>
+      <a:accent4>
+        <a:srgbClr val="FFC000"/>
+      </a:accent4>
+      <a:accent5>
+        <a:srgbClr val="5B9BD5"/>
+      </a:accent5>
+      <a:accent6>
+        <a:srgbClr val="70AD47"/>
+      </a:accent6>
+      <a:hlink>
+        <a:srgbClr val="0563C1"/>
+      </a:hlink>
+      <a:folHlink>
+        <a:srgbClr val="954F72"/>
+      </a:folHlink>
+    </a:clrScheme>
+    <a:fontScheme name="Office">
+      <a:majorFont>
+        <a:latin typeface="Calibri Light" panose="020F0302020204030204"/>
+        <a:ea typeface=""/>
+        <a:cs typeface=""/>
+        <a:font script="Jpan" typeface="游ゴシック Light"/>
+        <a:font script="Hang" typeface="맑은 고딕"/>
+        <a:font script="Hans" typeface="等线 Light"/>
+        <a:font script="Hant" typeface="新細明體"/>
+        <a:font script="Arab" typeface="Times New Roman"/>
+        <a:font script="Hebr" typeface="Times New Roman"/>
+        <a:font script="Thai" typeface="Angsana New"/>
+        <a:font script="Ethi" typeface="Nyala"/>
+        <a:font script="Beng" typeface="Vrinda"/>
+        <a:font script="Gujr" typeface="Shruti"/>
+        <a:font script="Khmr" typeface="MoolBoran"/>
+        <a:font script="Knda" typeface="Tunga"/>
+        <a:font script="Guru" typeface="Raavi"/>
+        <a:font script="Cans" typeface="Euphemia"/>
+        <a:font script="Cher" typeface="Plantagenet Cherokee"/>
+        <a:font script="Yiii" typeface="Microsoft Yi Baiti"/>
+        <a:font script="Tibt" typeface="Microsoft Himalaya"/>
+        <a:font script="Thaa" typeface="MV Boli"/>
+        <a:font script="Deva" typeface="Mangal"/>
+        <a:font script="Telu" typeface="Gautami"/>
+        <a:font script="Taml" typeface="Latha"/>
+        <a:font script="Syrc" typeface="Estrangelo Edessa"/>
+        <a:font script="Orya" typeface="Kalinga"/>
+        <a:font script="Mlym" typeface="Kartika"/>
+        <a:font script="Laoo" typeface="DokChampa"/>
+        <a:font script="Sinh" typeface="Iskoola Pota"/>
+        <a:font script="Mong" typeface="Mongolian Baiti"/>
+        <a:font script="Viet" typeface="Times New Roman"/>
+        <a:font script="Uigh" typeface="Microsoft Uighur"/>
+        <a:font script="Geor" typeface="Sylfaen"/>
+        <a:font script="Armn" typeface="Arial"/>
+        <a:font script="Bugi" typeface="Leelawadee UI"/>
+        <a:font script="Bopo" typeface="Microsoft JhengHei"/>
+        <a:font script="Java" typeface="Javanese Text"/>
+        <a:font script="Lisu" typeface="Segoe UI"/>
+        <a:font script="Mymr" typeface="Myanmar Text"/>
+        <a:font script="Nkoo" typeface="Ebrima"/>
+        <a:font script="Olck" typeface="Nirmala UI"/>
+        <a:font script="Osma" typeface="Ebrima"/>
+        <a:font script="Phag" typeface="Phagspa"/>
+        <a:font script="Syrn" typeface="Estrangelo Edessa"/>
+        <a:font script="Syrj" typeface="Estrangelo Edessa"/>
+        <a:font script="Syre" typeface="Estrangelo Edessa"/>
+        <a:font script="Sora" typeface="Nirmala UI"/>
+        <a:font script="Tale" typeface="Microsoft Tai Le"/>
+        <a:font script="Talu" typeface="Microsoft New Tai Lue"/>
+        <a:font script="Tfng" typeface="Ebrima"/>
+      </a:majorFont>
+      <a:minorFont>
+        <a:latin typeface="Calibri" panose="020F0502020204030204"/>
+        <a:ea typeface=""/>
+        <a:cs typeface=""/>
+        <a:font script="Jpan" typeface="游ゴシック"/>
+        <a:font script="Hang" typeface="맑은 고딕"/>
+        <a:font script="Hans" typeface="等线"/>
+        <a:font script="Hant" typeface="新細明體"/>
+        <a:font script="Arab" typeface="Arial"/>
+        <a:font script="Hebr" typeface="Arial"/>
+        <a:font script="Thai" typeface="Cordia New"/>
+        <a:font script="Ethi" typeface="Nyala"/>
+        <a:font script="Beng" typeface="Vrinda"/>
+        <a:font script="Gujr" typeface="Shruti"/>
+        <a:font script="Khmr" typeface="DaunPenh"/>
+        <a:font script="Knda" typeface="Tunga"/>
+        <a:font script="Guru" typeface="Raavi"/>
+        <a:font script="Cans" typeface="Euphemia"/>
+        <a:font script="Cher" typeface="Plantagenet Cherokee"/>
+        <a:font script="Yiii" typeface="Microsoft Yi Baiti"/>
+        <a:font script="Tibt" typeface="Microsoft Himalaya"/>
+        <a:font script="Thaa" typeface="MV Boli"/>
+        <a:font script="Deva" typeface="Mangal"/>
+        <a:font script="Telu" typeface="Gautami"/>
+        <a:font script="Taml" typeface="Latha"/>
+        <a:font script="Syrc" typeface="Estrangelo Edessa"/>
+        <a:font script="Orya" typeface="Kalinga"/>
+        <a:font script="Mlym" typeface="Kartika"/>
+        <a:font script="Laoo" typeface="DokChampa"/>
+        <a:font script="Sinh" typeface="Iskoola Pota"/>
+        <a:font script="Mong" typeface="Mongolian Baiti"/>
+        <a:font script="Viet" typeface="Arial"/>
+        <a:font script="Uigh" typeface="Microsoft Uighur"/>
+        <a:font script="Geor" typeface="Sylfaen"/>
+        <a:font script="Armn" typeface="Arial"/>
+        <a:font script="Bugi" typeface="Leelawadee UI"/>
+        <a:font script="Bopo" typeface="Microsoft JhengHei"/>
+        <a:font script="Java" typeface="Javanese Text"/>
+        <a:font script="Lisu" typeface="Segoe UI"/>
+        <a:font script="Mymr" typeface="Myanmar Text"/>
+        <a:font script="Nkoo" typeface="Ebrima"/>
+        <a:font script="Olck" typeface="Nirmala UI"/>
+        <a:font script="Osma" typeface="Ebrima"/>
+        <a:font script="Phag" typeface="Phagspa"/>
+        <a:font script="Syrn" typeface="Estrangelo Edessa"/>
+        <a:font script="Syrj" typeface="Estrangelo Edessa"/>
+        <a:font script="Syre" typeface="Estrangelo Edessa"/>
+        <a:font script="Sora" typeface="Nirmala UI"/>
+        <a:font script="Tale" typeface="Microsoft Tai Le"/>
+        <a:font script="Talu" typeface="Microsoft New Tai Lue"/>
+        <a:font script="Tfng" typeface="Ebrima"/>
+      </a:minorFont>
+    </a:fontScheme>
+    <a:fmtScheme name="Office">
+      <a:fillStyleLst>
+        <a:solidFill>
+          <a:schemeClr val="phClr"/>
+        </a:solidFill>
+        <a:gradFill rotWithShape="1">
+          <a:gsLst>
+            <a:gs pos="0">
+              <a:schemeClr val="phClr">
+                <a:lumMod val="110000"/>
+                <a:satMod val="105000"/>
+                <a:tint val="67000"/>
+              </a:schemeClr>
+            </a:gs>
+            <a:gs pos="50000">
+              <a:schemeClr val="phClr">
+                <a:lumMod val="105000"/>
+                <a:satMod val="103000"/>
+                <a:tint val="73000"/>
+              </a:schemeClr>
+            </a:gs>
+            <a:gs pos="100000">
+              <a:schemeClr val="phClr">
+                <a:lumMod val="105000"/>
+                <a:satMod val="109000"/>
+                <a:tint val="81000"/>
+              </a:schemeClr>
+            </a:gs>
+          </a:gsLst>
+          <a:lin ang="5400000" scaled="0"/>
+        </a:gradFill>
+        <a:gradFill rotWithShape="1">
+          <a:gsLst>
+            <a:gs pos="0">
+              <a:schemeClr val="phClr">
+                <a:satMod val="103000"/>
+                <a:lumMod val="102000"/>
+                <a:tint val="94000"/>
+              </a:schemeClr>
+            </a:gs>
+            <a:gs pos="50000">
+              <a:schemeClr val="phClr">
+                <a:satMod val="110000"/>
+                <a:lumMod val="100000"/>
+                <a:shade val="100000"/>
+              </a:schemeClr>
+            </a:gs>
+            <a:gs pos="100000">
+              <a:schemeClr val="phClr">
+                <a:lumMod val="99000"/>
+                <a:satMod val="120000"/>
+                <a:shade val="78000"/>
+              </a:schemeClr>
+            </a:gs>
+          </a:gsLst>
+          <a:lin ang="5400000" scaled="0"/>
+        </a:gradFill>
+      </a:fillStyleLst>
+      <a:lnStyleLst>
+        <a:ln w="6350" cap="flat" cmpd="sng" algn="ctr">
+          <a:solidFill>
+            <a:schemeClr val="phClr"/>
+          </a:solidFill>
+          <a:prstDash val="solid"/>
+          <a:miter lim="800000"/>
+        </a:ln>
+        <a:ln w="12700" cap="flat" cmpd="sng" algn="ctr">
+          <a:solidFill>
+            <a:schemeClr val="phClr"/>
+          </a:solidFill>
+          <a:prstDash val="solid"/>
+          <a:miter lim="800000"/>
+        </a:ln>
+        <a:ln w="19050" cap="flat" cmpd="sng" algn="ctr">
+          <a:solidFill>
+            <a:schemeClr val="phClr"/>
+          </a:solidFill>
+          <a:prstDash val="solid"/>
+          <a:miter lim="800000"/>
+        </a:ln>
+      </a:lnStyleLst>
+      <a:effectStyleLst>
+        <a:effectStyle>
+          <a:effectLst/>
+        </a:effectStyle>
+        <a:effectStyle>
+          <a:effectLst/>
+        </a:effectStyle>
+        <a:effectStyle>
+          <a:effectLst>
+            <a:outerShdw blurRad="57150" dist="19050" dir="5400000" algn="ctr" rotWithShape="0">
+              <a:srgbClr val="000000">
+                <a:alpha val="63000"/>
+              </a:srgbClr>
+            </a:outerShdw>
+          </a:effectLst>
+        </a:effectStyle>
+      </a:effectStyleLst>
+      <a:bgFillStyleLst>
+        <a:solidFill>
+          <a:schemeClr val="phClr"/>
+        </a:solidFill>
+        <a:solidFill>
+          <a:schemeClr val="phClr">
+            <a:tint val="95000"/>
+            <a:satMod val="170000"/>
+          </a:schemeClr>
+        </a:solidFill>
+        <a:gradFill rotWithShape="1">
+          <a:gsLst>
+            <a:gs pos="0">
+              <a:schemeClr val="phClr">
+                <a:tint val="93000"/>
+                <a:satMod val="150000"/>
+                <a:shade val="98000"/>
+                <a:lumMod val="102000"/>
+              </a:schemeClr>
+            </a:gs>
+            <a:gs pos="50000">
+              <a:schemeClr val="phClr">
+                <a:tint val="98000"/>
+                <a:satMod val="130000"/>
+                <a:shade val="90000"/>
+                <a:lumMod val="103000"/>
+              </a:schemeClr>
+            </a:gs>
+            <a:gs pos="100000">
+              <a:schemeClr val="phClr">
+                <a:shade val="63000"/>
+                <a:satMod val="120000"/>
+              </a:schemeClr>
+            </a:gs>
+          </a:gsLst>
+          <a:lin ang="5400000" scaled="0"/>
+        </a:gradFill>
+      </a:bgFillStyleLst>
+    </a:fmtScheme>
+  </a:themeElements>
+  <a:objectDefaults/>
+  <a:extraClrSchemeLst/>
+  <a:extLst>
+    <a:ext uri="{05A4C25C-085E-4340-85A3-A5531E510DB2}">
+      <thm15:themeFamily xmlns:thm15="http://schemas.microsoft.com/office/thememl/2012/main" name="Office Theme" id="{62F939B6-93AF-4DB8-9C6B-D6C7DFDC589F}" vid="{4A3C46E8-61CC-4603-A589-7422A47A8E4A}"/>
+    </a:ext>
+  </a:extLst>
+</a:theme>
 </file>